--- a/meeting/6.6.pptx
+++ b/meeting/6.6.pptx
@@ -14,6 +14,10 @@
     <p:sldId id="262" r:id="rId8"/>
     <p:sldId id="263" r:id="rId9"/>
     <p:sldId id="264" r:id="rId10"/>
+    <p:sldId id="266" r:id="rId11"/>
+    <p:sldId id="267" r:id="rId12"/>
+    <p:sldId id="268" r:id="rId13"/>
+    <p:sldId id="269" r:id="rId14"/>
   </p:sldIdLst>
   <p:sldSz cx="12192000" cy="6858000"/>
   <p:notesSz cx="6858000" cy="9144000"/>
@@ -112,6 +116,11 @@
       </a:defRPr>
     </a:lvl9pPr>
   </p:defaultTextStyle>
+  <p:extLst>
+    <p:ext uri="{EFAFB233-063F-42B5-8137-9DF3F51BA10A}">
+      <p15:sldGuideLst xmlns:p15="http://schemas.microsoft.com/office/powerpoint/2012/main"/>
+    </p:ext>
+  </p:extLst>
 </p:presentation>
 </file>
 
@@ -264,7 +273,7 @@
           <a:p>
             <a:fld id="{629D4420-3CF2-40DF-BBE4-4A0661A6234F}" type="datetimeFigureOut">
               <a:rPr lang="en-US" smtClean="0"/>
-              <a:t>6/6/2024</a:t>
+              <a:t>6/13/2024</a:t>
             </a:fld>
             <a:endParaRPr lang="en-US"/>
           </a:p>
@@ -464,7 +473,7 @@
           <a:p>
             <a:fld id="{629D4420-3CF2-40DF-BBE4-4A0661A6234F}" type="datetimeFigureOut">
               <a:rPr lang="en-US" smtClean="0"/>
-              <a:t>6/6/2024</a:t>
+              <a:t>6/13/2024</a:t>
             </a:fld>
             <a:endParaRPr lang="en-US"/>
           </a:p>
@@ -674,7 +683,7 @@
           <a:p>
             <a:fld id="{629D4420-3CF2-40DF-BBE4-4A0661A6234F}" type="datetimeFigureOut">
               <a:rPr lang="en-US" smtClean="0"/>
-              <a:t>6/6/2024</a:t>
+              <a:t>6/13/2024</a:t>
             </a:fld>
             <a:endParaRPr lang="en-US"/>
           </a:p>
@@ -874,7 +883,7 @@
           <a:p>
             <a:fld id="{629D4420-3CF2-40DF-BBE4-4A0661A6234F}" type="datetimeFigureOut">
               <a:rPr lang="en-US" smtClean="0"/>
-              <a:t>6/6/2024</a:t>
+              <a:t>6/13/2024</a:t>
             </a:fld>
             <a:endParaRPr lang="en-US"/>
           </a:p>
@@ -1150,7 +1159,7 @@
           <a:p>
             <a:fld id="{629D4420-3CF2-40DF-BBE4-4A0661A6234F}" type="datetimeFigureOut">
               <a:rPr lang="en-US" smtClean="0"/>
-              <a:t>6/6/2024</a:t>
+              <a:t>6/13/2024</a:t>
             </a:fld>
             <a:endParaRPr lang="en-US"/>
           </a:p>
@@ -1418,7 +1427,7 @@
           <a:p>
             <a:fld id="{629D4420-3CF2-40DF-BBE4-4A0661A6234F}" type="datetimeFigureOut">
               <a:rPr lang="en-US" smtClean="0"/>
-              <a:t>6/6/2024</a:t>
+              <a:t>6/13/2024</a:t>
             </a:fld>
             <a:endParaRPr lang="en-US"/>
           </a:p>
@@ -1833,7 +1842,7 @@
           <a:p>
             <a:fld id="{629D4420-3CF2-40DF-BBE4-4A0661A6234F}" type="datetimeFigureOut">
               <a:rPr lang="en-US" smtClean="0"/>
-              <a:t>6/6/2024</a:t>
+              <a:t>6/13/2024</a:t>
             </a:fld>
             <a:endParaRPr lang="en-US"/>
           </a:p>
@@ -1975,7 +1984,7 @@
           <a:p>
             <a:fld id="{629D4420-3CF2-40DF-BBE4-4A0661A6234F}" type="datetimeFigureOut">
               <a:rPr lang="en-US" smtClean="0"/>
-              <a:t>6/6/2024</a:t>
+              <a:t>6/13/2024</a:t>
             </a:fld>
             <a:endParaRPr lang="en-US"/>
           </a:p>
@@ -2088,7 +2097,7 @@
           <a:p>
             <a:fld id="{629D4420-3CF2-40DF-BBE4-4A0661A6234F}" type="datetimeFigureOut">
               <a:rPr lang="en-US" smtClean="0"/>
-              <a:t>6/6/2024</a:t>
+              <a:t>6/13/2024</a:t>
             </a:fld>
             <a:endParaRPr lang="en-US"/>
           </a:p>
@@ -2401,7 +2410,7 @@
           <a:p>
             <a:fld id="{629D4420-3CF2-40DF-BBE4-4A0661A6234F}" type="datetimeFigureOut">
               <a:rPr lang="en-US" smtClean="0"/>
-              <a:t>6/6/2024</a:t>
+              <a:t>6/13/2024</a:t>
             </a:fld>
             <a:endParaRPr lang="en-US"/>
           </a:p>
@@ -2690,7 +2699,7 @@
           <a:p>
             <a:fld id="{629D4420-3CF2-40DF-BBE4-4A0661A6234F}" type="datetimeFigureOut">
               <a:rPr lang="en-US" smtClean="0"/>
-              <a:t>6/6/2024</a:t>
+              <a:t>6/13/2024</a:t>
             </a:fld>
             <a:endParaRPr lang="en-US"/>
           </a:p>
@@ -2933,7 +2942,7 @@
           <a:p>
             <a:fld id="{629D4420-3CF2-40DF-BBE4-4A0661A6234F}" type="datetimeFigureOut">
               <a:rPr lang="en-US" smtClean="0"/>
-              <a:t>6/6/2024</a:t>
+              <a:t>6/13/2024</a:t>
             </a:fld>
             <a:endParaRPr lang="en-US"/>
           </a:p>
@@ -3428,6 +3437,3267 @@
 </p:sld>
 </file>
 
+<file path=ppt/slides/slide10.xml><?xml version="1.0" encoding="utf-8"?>
+<p:sld xmlns:a="http://schemas.openxmlformats.org/drawingml/2006/main" xmlns:r="http://schemas.openxmlformats.org/officeDocument/2006/relationships" xmlns:p="http://schemas.openxmlformats.org/presentationml/2006/main">
+  <p:cSld>
+    <p:spTree>
+      <p:nvGrpSpPr>
+        <p:cNvPr id="1" name=""/>
+        <p:cNvGrpSpPr/>
+        <p:nvPr/>
+      </p:nvGrpSpPr>
+      <p:grpSpPr>
+        <a:xfrm>
+          <a:off x="0" y="0"/>
+          <a:ext cx="0" cy="0"/>
+          <a:chOff x="0" y="0"/>
+          <a:chExt cx="0" cy="0"/>
+        </a:xfrm>
+      </p:grpSpPr>
+      <p:sp>
+        <p:nvSpPr>
+          <p:cNvPr id="2" name="标题 1">
+            <a:extLst>
+              <a:ext uri="{FF2B5EF4-FFF2-40B4-BE49-F238E27FC236}">
+                <a16:creationId xmlns:a16="http://schemas.microsoft.com/office/drawing/2014/main" id="{8FFEBBFC-CE36-1FC3-C319-DD9473902454}"/>
+              </a:ext>
+            </a:extLst>
+          </p:cNvPr>
+          <p:cNvSpPr>
+            <a:spLocks noGrp="1"/>
+          </p:cNvSpPr>
+          <p:nvPr>
+            <p:ph type="ctrTitle"/>
+          </p:nvPr>
+        </p:nvSpPr>
+        <p:spPr/>
+        <p:txBody>
+          <a:bodyPr>
+            <a:normAutofit/>
+          </a:bodyPr>
+          <a:lstStyle/>
+          <a:p>
+            <a:r>
+              <a:rPr lang="en-US" dirty="0"/>
+              <a:t>Adversarial Training for Free</a:t>
+            </a:r>
+          </a:p>
+        </p:txBody>
+      </p:sp>
+      <p:sp>
+        <p:nvSpPr>
+          <p:cNvPr id="3" name="副标题 2">
+            <a:extLst>
+              <a:ext uri="{FF2B5EF4-FFF2-40B4-BE49-F238E27FC236}">
+                <a16:creationId xmlns:a16="http://schemas.microsoft.com/office/drawing/2014/main" id="{27AE57F7-6BB2-0F66-DA48-56A7EBBDCFED}"/>
+              </a:ext>
+            </a:extLst>
+          </p:cNvPr>
+          <p:cNvSpPr>
+            <a:spLocks noGrp="1"/>
+          </p:cNvSpPr>
+          <p:nvPr>
+            <p:ph type="subTitle" idx="1"/>
+          </p:nvPr>
+        </p:nvSpPr>
+        <p:spPr/>
+        <p:txBody>
+          <a:bodyPr/>
+          <a:lstStyle/>
+          <a:p>
+            <a:r>
+              <a:rPr lang="zh-CN" altLang="en-US" dirty="0"/>
+              <a:t>论文阅读</a:t>
+            </a:r>
+            <a:endParaRPr lang="en-US" altLang="zh-CN" dirty="0"/>
+          </a:p>
+          <a:p>
+            <a:r>
+              <a:rPr lang="en-US" dirty="0"/>
+              <a:t>6.13</a:t>
+            </a:r>
+          </a:p>
+        </p:txBody>
+      </p:sp>
+    </p:spTree>
+    <p:extLst>
+      <p:ext uri="{BB962C8B-B14F-4D97-AF65-F5344CB8AC3E}">
+        <p14:creationId xmlns:p14="http://schemas.microsoft.com/office/powerpoint/2010/main" val="1447828020"/>
+      </p:ext>
+    </p:extLst>
+  </p:cSld>
+  <p:clrMapOvr>
+    <a:masterClrMapping/>
+  </p:clrMapOvr>
+</p:sld>
+</file>
+
+<file path=ppt/slides/slide11.xml><?xml version="1.0" encoding="utf-8"?>
+<p:sld xmlns:a="http://schemas.openxmlformats.org/drawingml/2006/main" xmlns:r="http://schemas.openxmlformats.org/officeDocument/2006/relationships" xmlns:p="http://schemas.openxmlformats.org/presentationml/2006/main">
+  <p:cSld>
+    <p:spTree>
+      <p:nvGrpSpPr>
+        <p:cNvPr id="1" name=""/>
+        <p:cNvGrpSpPr/>
+        <p:nvPr/>
+      </p:nvGrpSpPr>
+      <p:grpSpPr>
+        <a:xfrm>
+          <a:off x="0" y="0"/>
+          <a:ext cx="0" cy="0"/>
+          <a:chOff x="0" y="0"/>
+          <a:chExt cx="0" cy="0"/>
+        </a:xfrm>
+      </p:grpSpPr>
+      <p:sp>
+        <p:nvSpPr>
+          <p:cNvPr id="2" name="标题 1">
+            <a:extLst>
+              <a:ext uri="{FF2B5EF4-FFF2-40B4-BE49-F238E27FC236}">
+                <a16:creationId xmlns:a16="http://schemas.microsoft.com/office/drawing/2014/main" id="{5659804F-FA60-C8D2-B500-88A89ED79F5C}"/>
+              </a:ext>
+            </a:extLst>
+          </p:cNvPr>
+          <p:cNvSpPr>
+            <a:spLocks noGrp="1"/>
+          </p:cNvSpPr>
+          <p:nvPr>
+            <p:ph type="title"/>
+          </p:nvPr>
+        </p:nvSpPr>
+        <p:spPr/>
+        <p:txBody>
+          <a:bodyPr/>
+          <a:lstStyle/>
+          <a:p>
+            <a:r>
+              <a:rPr lang="en-US" altLang="zh-CN" dirty="0"/>
+              <a:t>Free adversarial training</a:t>
+            </a:r>
+            <a:endParaRPr lang="en-US" dirty="0"/>
+          </a:p>
+        </p:txBody>
+      </p:sp>
+      <p:pic>
+        <p:nvPicPr>
+          <p:cNvPr id="5" name="内容占位符 4">
+            <a:extLst>
+              <a:ext uri="{FF2B5EF4-FFF2-40B4-BE49-F238E27FC236}">
+                <a16:creationId xmlns:a16="http://schemas.microsoft.com/office/drawing/2014/main" id="{300A669B-AB3D-BB4D-F58D-E0E2BD176D38}"/>
+              </a:ext>
+            </a:extLst>
+          </p:cNvPr>
+          <p:cNvPicPr>
+            <a:picLocks noGrp="1" noChangeAspect="1"/>
+          </p:cNvPicPr>
+          <p:nvPr>
+            <p:ph idx="1"/>
+          </p:nvPr>
+        </p:nvPicPr>
+        <p:blipFill>
+          <a:blip r:embed="rId2"/>
+          <a:stretch>
+            <a:fillRect/>
+          </a:stretch>
+        </p:blipFill>
+        <p:spPr>
+          <a:xfrm>
+            <a:off x="690664" y="1617240"/>
+            <a:ext cx="8454653" cy="4386331"/>
+          </a:xfrm>
+        </p:spPr>
+      </p:pic>
+    </p:spTree>
+    <p:extLst>
+      <p:ext uri="{BB962C8B-B14F-4D97-AF65-F5344CB8AC3E}">
+        <p14:creationId xmlns:p14="http://schemas.microsoft.com/office/powerpoint/2010/main" val="4254678604"/>
+      </p:ext>
+    </p:extLst>
+  </p:cSld>
+  <p:clrMapOvr>
+    <a:masterClrMapping/>
+  </p:clrMapOvr>
+</p:sld>
+</file>
+
+<file path=ppt/slides/slide12.xml><?xml version="1.0" encoding="utf-8"?>
+<p:sld xmlns:a="http://schemas.openxmlformats.org/drawingml/2006/main" xmlns:r="http://schemas.openxmlformats.org/officeDocument/2006/relationships" xmlns:p="http://schemas.openxmlformats.org/presentationml/2006/main">
+  <p:cSld>
+    <p:spTree>
+      <p:nvGrpSpPr>
+        <p:cNvPr id="1" name=""/>
+        <p:cNvGrpSpPr/>
+        <p:nvPr/>
+      </p:nvGrpSpPr>
+      <p:grpSpPr>
+        <a:xfrm>
+          <a:off x="0" y="0"/>
+          <a:ext cx="0" cy="0"/>
+          <a:chOff x="0" y="0"/>
+          <a:chExt cx="0" cy="0"/>
+        </a:xfrm>
+      </p:grpSpPr>
+      <mc:AlternateContent xmlns:mc="http://schemas.openxmlformats.org/markup-compatibility/2006">
+        <mc:Choice xmlns:a14="http://schemas.microsoft.com/office/drawing/2010/main" Requires="a14">
+          <p:sp>
+            <p:nvSpPr>
+              <p:cNvPr id="5" name="矩形: 圆角 4">
+                <a:extLst>
+                  <a:ext uri="{FF2B5EF4-FFF2-40B4-BE49-F238E27FC236}">
+                    <a16:creationId xmlns:a16="http://schemas.microsoft.com/office/drawing/2014/main" id="{001D6CD6-72BB-E24E-060E-63368387AE57}"/>
+                  </a:ext>
+                </a:extLst>
+              </p:cNvPr>
+              <p:cNvSpPr/>
+              <p:nvPr/>
+            </p:nvSpPr>
+            <p:spPr>
+              <a:xfrm>
+                <a:off x="2962276" y="657224"/>
+                <a:ext cx="1409700" cy="809625"/>
+              </a:xfrm>
+              <a:prstGeom prst="roundRect">
+                <a:avLst/>
+              </a:prstGeom>
+              <a:noFill/>
+            </p:spPr>
+            <p:style>
+              <a:lnRef idx="2">
+                <a:schemeClr val="accent1">
+                  <a:shade val="15000"/>
+                </a:schemeClr>
+              </a:lnRef>
+              <a:fillRef idx="1">
+                <a:schemeClr val="accent1"/>
+              </a:fillRef>
+              <a:effectRef idx="0">
+                <a:schemeClr val="accent1"/>
+              </a:effectRef>
+              <a:fontRef idx="minor">
+                <a:schemeClr val="lt1"/>
+              </a:fontRef>
+            </p:style>
+            <p:txBody>
+              <a:bodyPr rtlCol="0" anchor="ctr"/>
+              <a:lstStyle/>
+              <a:p>
+                <a:pPr algn="ctr"/>
+                <a14:m>
+                  <m:oMathPara xmlns:m="http://schemas.openxmlformats.org/officeDocument/2006/math">
+                    <m:oMathParaPr>
+                      <m:jc m:val="centerGroup"/>
+                    </m:oMathParaPr>
+                    <m:oMath xmlns:m="http://schemas.openxmlformats.org/officeDocument/2006/math">
+                      <m:r>
+                        <a:rPr lang="en-US" i="1" dirty="0" smtClean="0">
+                          <a:solidFill>
+                            <a:schemeClr val="tx1"/>
+                          </a:solidFill>
+                          <a:latin typeface="Cambria Math" panose="02040503050406030204" pitchFamily="18" charset="0"/>
+                        </a:rPr>
+                        <m:t>𝑋</m:t>
+                      </m:r>
+                    </m:oMath>
+                  </m:oMathPara>
+                </a14:m>
+                <a:endParaRPr lang="en-US" dirty="0">
+                  <a:solidFill>
+                    <a:schemeClr val="tx1"/>
+                  </a:solidFill>
+                </a:endParaRPr>
+              </a:p>
+            </p:txBody>
+          </p:sp>
+        </mc:Choice>
+        <mc:Fallback>
+          <p:sp>
+            <p:nvSpPr>
+              <p:cNvPr id="5" name="矩形: 圆角 4">
+                <a:extLst>
+                  <a:ext uri="{FF2B5EF4-FFF2-40B4-BE49-F238E27FC236}">
+                    <a16:creationId xmlns:a16="http://schemas.microsoft.com/office/drawing/2014/main" id="{001D6CD6-72BB-E24E-060E-63368387AE57}"/>
+                  </a:ext>
+                </a:extLst>
+              </p:cNvPr>
+              <p:cNvSpPr>
+                <a:spLocks noRot="1" noChangeAspect="1" noMove="1" noResize="1" noEditPoints="1" noAdjustHandles="1" noChangeArrowheads="1" noChangeShapeType="1" noTextEdit="1"/>
+              </p:cNvSpPr>
+              <p:nvPr/>
+            </p:nvSpPr>
+            <p:spPr>
+              <a:xfrm>
+                <a:off x="2962276" y="657224"/>
+                <a:ext cx="1409700" cy="809625"/>
+              </a:xfrm>
+              <a:prstGeom prst="roundRect">
+                <a:avLst/>
+              </a:prstGeom>
+              <a:blipFill>
+                <a:blip r:embed="rId2"/>
+                <a:stretch>
+                  <a:fillRect/>
+                </a:stretch>
+              </a:blipFill>
+            </p:spPr>
+            <p:txBody>
+              <a:bodyPr/>
+              <a:lstStyle/>
+              <a:p>
+                <a:r>
+                  <a:rPr lang="en-US">
+                    <a:noFill/>
+                  </a:rPr>
+                  <a:t> </a:t>
+                </a:r>
+              </a:p>
+            </p:txBody>
+          </p:sp>
+        </mc:Fallback>
+      </mc:AlternateContent>
+      <mc:AlternateContent xmlns:mc="http://schemas.openxmlformats.org/markup-compatibility/2006">
+        <mc:Choice xmlns:a14="http://schemas.microsoft.com/office/drawing/2010/main" Requires="a14">
+          <p:sp>
+            <p:nvSpPr>
+              <p:cNvPr id="8" name="矩形: 圆角 7">
+                <a:extLst>
+                  <a:ext uri="{FF2B5EF4-FFF2-40B4-BE49-F238E27FC236}">
+                    <a16:creationId xmlns:a16="http://schemas.microsoft.com/office/drawing/2014/main" id="{6BE2FFE1-CCFE-C52E-5920-730ED1989974}"/>
+                  </a:ext>
+                </a:extLst>
+              </p:cNvPr>
+              <p:cNvSpPr/>
+              <p:nvPr/>
+            </p:nvSpPr>
+            <p:spPr>
+              <a:xfrm>
+                <a:off x="5838825" y="657221"/>
+                <a:ext cx="1409700" cy="809625"/>
+              </a:xfrm>
+              <a:prstGeom prst="roundRect">
+                <a:avLst/>
+              </a:prstGeom>
+              <a:noFill/>
+            </p:spPr>
+            <p:style>
+              <a:lnRef idx="2">
+                <a:schemeClr val="accent1">
+                  <a:shade val="15000"/>
+                </a:schemeClr>
+              </a:lnRef>
+              <a:fillRef idx="1">
+                <a:schemeClr val="accent1"/>
+              </a:fillRef>
+              <a:effectRef idx="0">
+                <a:schemeClr val="accent1"/>
+              </a:effectRef>
+              <a:fontRef idx="minor">
+                <a:schemeClr val="lt1"/>
+              </a:fontRef>
+            </p:style>
+            <p:txBody>
+              <a:bodyPr rtlCol="0" anchor="ctr"/>
+              <a:lstStyle/>
+              <a:p>
+                <a:pPr algn="ctr"/>
+                <a14:m>
+                  <m:oMathPara xmlns:m="http://schemas.openxmlformats.org/officeDocument/2006/math">
+                    <m:oMathParaPr>
+                      <m:jc m:val="centerGroup"/>
+                    </m:oMathParaPr>
+                    <m:oMath xmlns:m="http://schemas.openxmlformats.org/officeDocument/2006/math">
+                      <m:r>
+                        <a:rPr lang="en-US" i="1" dirty="0" smtClean="0">
+                          <a:solidFill>
+                            <a:schemeClr val="tx1"/>
+                          </a:solidFill>
+                          <a:latin typeface="Cambria Math" panose="02040503050406030204" pitchFamily="18" charset="0"/>
+                        </a:rPr>
+                        <m:t>𝐿𝑜𝑠</m:t>
+                      </m:r>
+                      <m:r>
+                        <a:rPr lang="en-US" i="1" dirty="0">
+                          <a:solidFill>
+                            <a:schemeClr val="tx1"/>
+                          </a:solidFill>
+                          <a:latin typeface="Cambria Math" panose="02040503050406030204" pitchFamily="18" charset="0"/>
+                        </a:rPr>
+                        <m:t>𝑠</m:t>
+                      </m:r>
+                    </m:oMath>
+                  </m:oMathPara>
+                </a14:m>
+                <a:endParaRPr lang="en-US" dirty="0">
+                  <a:solidFill>
+                    <a:schemeClr val="tx1"/>
+                  </a:solidFill>
+                </a:endParaRPr>
+              </a:p>
+            </p:txBody>
+          </p:sp>
+        </mc:Choice>
+        <mc:Fallback>
+          <p:sp>
+            <p:nvSpPr>
+              <p:cNvPr id="8" name="矩形: 圆角 7">
+                <a:extLst>
+                  <a:ext uri="{FF2B5EF4-FFF2-40B4-BE49-F238E27FC236}">
+                    <a16:creationId xmlns:a16="http://schemas.microsoft.com/office/drawing/2014/main" id="{6BE2FFE1-CCFE-C52E-5920-730ED1989974}"/>
+                  </a:ext>
+                </a:extLst>
+              </p:cNvPr>
+              <p:cNvSpPr>
+                <a:spLocks noRot="1" noChangeAspect="1" noMove="1" noResize="1" noEditPoints="1" noAdjustHandles="1" noChangeArrowheads="1" noChangeShapeType="1" noTextEdit="1"/>
+              </p:cNvSpPr>
+              <p:nvPr/>
+            </p:nvSpPr>
+            <p:spPr>
+              <a:xfrm>
+                <a:off x="5838825" y="657221"/>
+                <a:ext cx="1409700" cy="809625"/>
+              </a:xfrm>
+              <a:prstGeom prst="roundRect">
+                <a:avLst/>
+              </a:prstGeom>
+              <a:blipFill>
+                <a:blip r:embed="rId3"/>
+                <a:stretch>
+                  <a:fillRect/>
+                </a:stretch>
+              </a:blipFill>
+            </p:spPr>
+            <p:txBody>
+              <a:bodyPr/>
+              <a:lstStyle/>
+              <a:p>
+                <a:r>
+                  <a:rPr lang="en-US">
+                    <a:noFill/>
+                  </a:rPr>
+                  <a:t> </a:t>
+                </a:r>
+              </a:p>
+            </p:txBody>
+          </p:sp>
+        </mc:Fallback>
+      </mc:AlternateContent>
+      <mc:AlternateContent xmlns:mc="http://schemas.openxmlformats.org/markup-compatibility/2006">
+        <mc:Choice xmlns:a14="http://schemas.microsoft.com/office/drawing/2010/main" Requires="a14">
+          <p:sp>
+            <p:nvSpPr>
+              <p:cNvPr id="9" name="矩形: 圆角 8">
+                <a:extLst>
+                  <a:ext uri="{FF2B5EF4-FFF2-40B4-BE49-F238E27FC236}">
+                    <a16:creationId xmlns:a16="http://schemas.microsoft.com/office/drawing/2014/main" id="{EF3928F5-EE68-9501-3EE5-C6806CF5F3DD}"/>
+                  </a:ext>
+                </a:extLst>
+              </p:cNvPr>
+              <p:cNvSpPr/>
+              <p:nvPr/>
+            </p:nvSpPr>
+            <p:spPr>
+              <a:xfrm>
+                <a:off x="8924926" y="657222"/>
+                <a:ext cx="1409700" cy="809625"/>
+              </a:xfrm>
+              <a:prstGeom prst="roundRect">
+                <a:avLst/>
+              </a:prstGeom>
+              <a:noFill/>
+            </p:spPr>
+            <p:style>
+              <a:lnRef idx="2">
+                <a:schemeClr val="accent1">
+                  <a:shade val="15000"/>
+                </a:schemeClr>
+              </a:lnRef>
+              <a:fillRef idx="1">
+                <a:schemeClr val="accent1"/>
+              </a:fillRef>
+              <a:effectRef idx="0">
+                <a:schemeClr val="accent1"/>
+              </a:effectRef>
+              <a:fontRef idx="minor">
+                <a:schemeClr val="lt1"/>
+              </a:fontRef>
+            </p:style>
+            <p:txBody>
+              <a:bodyPr rtlCol="0" anchor="ctr"/>
+              <a:lstStyle/>
+              <a:p>
+                <a:pPr algn="ctr"/>
+                <a14:m>
+                  <m:oMathPara xmlns:m="http://schemas.openxmlformats.org/officeDocument/2006/math">
+                    <m:oMathParaPr>
+                      <m:jc m:val="centerGroup"/>
+                    </m:oMathParaPr>
+                    <m:oMath xmlns:m="http://schemas.openxmlformats.org/officeDocument/2006/math">
+                      <m:r>
+                        <a:rPr lang="en-US" i="1" dirty="0" smtClean="0">
+                          <a:solidFill>
+                            <a:schemeClr val="tx1"/>
+                          </a:solidFill>
+                          <a:latin typeface="Cambria Math" panose="02040503050406030204" pitchFamily="18" charset="0"/>
+                        </a:rPr>
+                        <m:t>𝑋</m:t>
+                      </m:r>
+                      <m:r>
+                        <a:rPr lang="en-US" i="1" dirty="0" smtClean="0">
+                          <a:solidFill>
+                            <a:schemeClr val="tx1"/>
+                          </a:solidFill>
+                          <a:latin typeface="Cambria Math" panose="02040503050406030204" pitchFamily="18" charset="0"/>
+                        </a:rPr>
+                        <m:t>’</m:t>
+                      </m:r>
+                    </m:oMath>
+                  </m:oMathPara>
+                </a14:m>
+                <a:endParaRPr lang="en-US" dirty="0">
+                  <a:solidFill>
+                    <a:schemeClr val="tx1"/>
+                  </a:solidFill>
+                </a:endParaRPr>
+              </a:p>
+            </p:txBody>
+          </p:sp>
+        </mc:Choice>
+        <mc:Fallback>
+          <p:sp>
+            <p:nvSpPr>
+              <p:cNvPr id="9" name="矩形: 圆角 8">
+                <a:extLst>
+                  <a:ext uri="{FF2B5EF4-FFF2-40B4-BE49-F238E27FC236}">
+                    <a16:creationId xmlns:a16="http://schemas.microsoft.com/office/drawing/2014/main" id="{EF3928F5-EE68-9501-3EE5-C6806CF5F3DD}"/>
+                  </a:ext>
+                </a:extLst>
+              </p:cNvPr>
+              <p:cNvSpPr>
+                <a:spLocks noRot="1" noChangeAspect="1" noMove="1" noResize="1" noEditPoints="1" noAdjustHandles="1" noChangeArrowheads="1" noChangeShapeType="1" noTextEdit="1"/>
+              </p:cNvSpPr>
+              <p:nvPr/>
+            </p:nvSpPr>
+            <p:spPr>
+              <a:xfrm>
+                <a:off x="8924926" y="657222"/>
+                <a:ext cx="1409700" cy="809625"/>
+              </a:xfrm>
+              <a:prstGeom prst="roundRect">
+                <a:avLst/>
+              </a:prstGeom>
+              <a:blipFill>
+                <a:blip r:embed="rId4"/>
+                <a:stretch>
+                  <a:fillRect/>
+                </a:stretch>
+              </a:blipFill>
+            </p:spPr>
+            <p:txBody>
+              <a:bodyPr/>
+              <a:lstStyle/>
+              <a:p>
+                <a:r>
+                  <a:rPr lang="en-US">
+                    <a:noFill/>
+                  </a:rPr>
+                  <a:t> </a:t>
+                </a:r>
+              </a:p>
+            </p:txBody>
+          </p:sp>
+        </mc:Fallback>
+      </mc:AlternateContent>
+      <p:cxnSp>
+        <p:nvCxnSpPr>
+          <p:cNvPr id="11" name="直接箭头连接符 10">
+            <a:extLst>
+              <a:ext uri="{FF2B5EF4-FFF2-40B4-BE49-F238E27FC236}">
+                <a16:creationId xmlns:a16="http://schemas.microsoft.com/office/drawing/2014/main" id="{404D0AB5-4FC9-A668-9102-D194A9164B2D}"/>
+              </a:ext>
+            </a:extLst>
+          </p:cNvPr>
+          <p:cNvCxnSpPr>
+            <a:stCxn id="5" idx="3"/>
+            <a:endCxn id="8" idx="1"/>
+          </p:cNvCxnSpPr>
+          <p:nvPr/>
+        </p:nvCxnSpPr>
+        <p:spPr>
+          <a:xfrm flipV="1">
+            <a:off x="4371976" y="1062034"/>
+            <a:ext cx="1466849" cy="3"/>
+          </a:xfrm>
+          <a:prstGeom prst="straightConnector1">
+            <a:avLst/>
+          </a:prstGeom>
+          <a:ln>
+            <a:tailEnd type="triangle"/>
+          </a:ln>
+        </p:spPr>
+        <p:style>
+          <a:lnRef idx="2">
+            <a:schemeClr val="accent1"/>
+          </a:lnRef>
+          <a:fillRef idx="0">
+            <a:schemeClr val="accent1"/>
+          </a:fillRef>
+          <a:effectRef idx="1">
+            <a:schemeClr val="accent1"/>
+          </a:effectRef>
+          <a:fontRef idx="minor">
+            <a:schemeClr val="tx1"/>
+          </a:fontRef>
+        </p:style>
+      </p:cxnSp>
+      <p:cxnSp>
+        <p:nvCxnSpPr>
+          <p:cNvPr id="13" name="直接箭头连接符 12">
+            <a:extLst>
+              <a:ext uri="{FF2B5EF4-FFF2-40B4-BE49-F238E27FC236}">
+                <a16:creationId xmlns:a16="http://schemas.microsoft.com/office/drawing/2014/main" id="{D12B9379-7291-18A6-C2E8-11E4D77C079E}"/>
+              </a:ext>
+            </a:extLst>
+          </p:cNvPr>
+          <p:cNvCxnSpPr>
+            <a:stCxn id="8" idx="3"/>
+            <a:endCxn id="9" idx="1"/>
+          </p:cNvCxnSpPr>
+          <p:nvPr/>
+        </p:nvCxnSpPr>
+        <p:spPr>
+          <a:xfrm>
+            <a:off x="7248525" y="1062034"/>
+            <a:ext cx="1676401" cy="1"/>
+          </a:xfrm>
+          <a:prstGeom prst="straightConnector1">
+            <a:avLst/>
+          </a:prstGeom>
+          <a:ln>
+            <a:tailEnd type="triangle"/>
+          </a:ln>
+        </p:spPr>
+        <p:style>
+          <a:lnRef idx="2">
+            <a:schemeClr val="accent1"/>
+          </a:lnRef>
+          <a:fillRef idx="0">
+            <a:schemeClr val="accent1"/>
+          </a:fillRef>
+          <a:effectRef idx="1">
+            <a:schemeClr val="accent1"/>
+          </a:effectRef>
+          <a:fontRef idx="minor">
+            <a:schemeClr val="tx1"/>
+          </a:fontRef>
+        </p:style>
+      </p:cxnSp>
+      <mc:AlternateContent xmlns:mc="http://schemas.openxmlformats.org/markup-compatibility/2006">
+        <mc:Choice xmlns:a14="http://schemas.microsoft.com/office/drawing/2010/main" Requires="a14">
+          <p:sp>
+            <p:nvSpPr>
+              <p:cNvPr id="16" name="文本框 15">
+                <a:extLst>
+                  <a:ext uri="{FF2B5EF4-FFF2-40B4-BE49-F238E27FC236}">
+                    <a16:creationId xmlns:a16="http://schemas.microsoft.com/office/drawing/2014/main" id="{0C0B5541-95ED-9BED-D6E2-800C87F5473C}"/>
+                  </a:ext>
+                </a:extLst>
+              </p:cNvPr>
+              <p:cNvSpPr txBox="1"/>
+              <p:nvPr/>
+            </p:nvSpPr>
+            <p:spPr>
+              <a:xfrm>
+                <a:off x="4572001" y="604059"/>
+                <a:ext cx="952500" cy="369332"/>
+              </a:xfrm>
+              <a:prstGeom prst="rect">
+                <a:avLst/>
+              </a:prstGeom>
+              <a:noFill/>
+            </p:spPr>
+            <p:txBody>
+              <a:bodyPr wrap="square" rtlCol="0">
+                <a:spAutoFit/>
+              </a:bodyPr>
+              <a:lstStyle/>
+              <a:p>
+                <a14:m>
+                  <m:oMathPara xmlns:m="http://schemas.openxmlformats.org/officeDocument/2006/math">
+                    <m:oMathParaPr>
+                      <m:jc m:val="centerGroup"/>
+                    </m:oMathParaPr>
+                    <m:oMath xmlns:m="http://schemas.openxmlformats.org/officeDocument/2006/math">
+                      <m:r>
+                        <a:rPr lang="en-US" b="0" i="1" smtClean="0">
+                          <a:latin typeface="Cambria Math" panose="02040503050406030204" pitchFamily="18" charset="0"/>
+                        </a:rPr>
+                        <m:t>𝑓</m:t>
+                      </m:r>
+                    </m:oMath>
+                  </m:oMathPara>
+                </a14:m>
+                <a:endParaRPr lang="en-US" dirty="0"/>
+              </a:p>
+            </p:txBody>
+          </p:sp>
+        </mc:Choice>
+        <mc:Fallback>
+          <p:sp>
+            <p:nvSpPr>
+              <p:cNvPr id="16" name="文本框 15">
+                <a:extLst>
+                  <a:ext uri="{FF2B5EF4-FFF2-40B4-BE49-F238E27FC236}">
+                    <a16:creationId xmlns:a16="http://schemas.microsoft.com/office/drawing/2014/main" id="{0C0B5541-95ED-9BED-D6E2-800C87F5473C}"/>
+                  </a:ext>
+                </a:extLst>
+              </p:cNvPr>
+              <p:cNvSpPr txBox="1">
+                <a:spLocks noRot="1" noChangeAspect="1" noMove="1" noResize="1" noEditPoints="1" noAdjustHandles="1" noChangeArrowheads="1" noChangeShapeType="1" noTextEdit="1"/>
+              </p:cNvSpPr>
+              <p:nvPr/>
+            </p:nvSpPr>
+            <p:spPr>
+              <a:xfrm>
+                <a:off x="4572001" y="604059"/>
+                <a:ext cx="952500" cy="369332"/>
+              </a:xfrm>
+              <a:prstGeom prst="rect">
+                <a:avLst/>
+              </a:prstGeom>
+              <a:blipFill>
+                <a:blip r:embed="rId5"/>
+                <a:stretch>
+                  <a:fillRect b="-13115"/>
+                </a:stretch>
+              </a:blipFill>
+            </p:spPr>
+            <p:txBody>
+              <a:bodyPr/>
+              <a:lstStyle/>
+              <a:p>
+                <a:r>
+                  <a:rPr lang="en-US">
+                    <a:noFill/>
+                  </a:rPr>
+                  <a:t> </a:t>
+                </a:r>
+              </a:p>
+            </p:txBody>
+          </p:sp>
+        </mc:Fallback>
+      </mc:AlternateContent>
+      <mc:AlternateContent xmlns:mc="http://schemas.openxmlformats.org/markup-compatibility/2006">
+        <mc:Choice xmlns:a14="http://schemas.microsoft.com/office/drawing/2010/main" Requires="a14">
+          <p:sp>
+            <p:nvSpPr>
+              <p:cNvPr id="17" name="文本框 16">
+                <a:extLst>
+                  <a:ext uri="{FF2B5EF4-FFF2-40B4-BE49-F238E27FC236}">
+                    <a16:creationId xmlns:a16="http://schemas.microsoft.com/office/drawing/2014/main" id="{2358815F-C37E-BE75-1ABA-2DD301740070}"/>
+                  </a:ext>
+                </a:extLst>
+              </p:cNvPr>
+              <p:cNvSpPr txBox="1"/>
+              <p:nvPr/>
+            </p:nvSpPr>
+            <p:spPr>
+              <a:xfrm>
+                <a:off x="7562849" y="631034"/>
+                <a:ext cx="952500" cy="369332"/>
+              </a:xfrm>
+              <a:prstGeom prst="rect">
+                <a:avLst/>
+              </a:prstGeom>
+              <a:noFill/>
+            </p:spPr>
+            <p:txBody>
+              <a:bodyPr wrap="square" rtlCol="0">
+                <a:spAutoFit/>
+              </a:bodyPr>
+              <a:lstStyle/>
+              <a:p>
+                <a14:m>
+                  <m:oMathPara xmlns:m="http://schemas.openxmlformats.org/officeDocument/2006/math">
+                    <m:oMathParaPr>
+                      <m:jc m:val="centerGroup"/>
+                    </m:oMathParaPr>
+                    <m:oMath xmlns:m="http://schemas.openxmlformats.org/officeDocument/2006/math">
+                      <m:r>
+                        <m:rPr>
+                          <m:sty m:val="p"/>
+                        </m:rPr>
+                        <a:rPr lang="en-US" b="0" i="0" smtClean="0">
+                          <a:latin typeface="Cambria Math" panose="02040503050406030204" pitchFamily="18" charset="0"/>
+                        </a:rPr>
+                        <m:t>∇</m:t>
+                      </m:r>
+                      <m:sSub>
+                        <m:sSubPr>
+                          <m:ctrlPr>
+                            <a:rPr lang="en-US" b="0" i="1" smtClean="0">
+                              <a:latin typeface="Cambria Math" panose="02040503050406030204" pitchFamily="18" charset="0"/>
+                            </a:rPr>
+                          </m:ctrlPr>
+                        </m:sSubPr>
+                        <m:e>
+                          <m:r>
+                            <a:rPr lang="en-US" b="0" i="1" smtClean="0">
+                              <a:latin typeface="Cambria Math" panose="02040503050406030204" pitchFamily="18" charset="0"/>
+                            </a:rPr>
+                            <m:t>𝑓</m:t>
+                          </m:r>
+                        </m:e>
+                        <m:sub>
+                          <m:r>
+                            <a:rPr lang="en-US" b="0" i="1" smtClean="0">
+                              <a:latin typeface="Cambria Math" panose="02040503050406030204" pitchFamily="18" charset="0"/>
+                            </a:rPr>
+                            <m:t>𝑥</m:t>
+                          </m:r>
+                        </m:sub>
+                      </m:sSub>
+                    </m:oMath>
+                  </m:oMathPara>
+                </a14:m>
+                <a:endParaRPr lang="en-US" dirty="0"/>
+              </a:p>
+            </p:txBody>
+          </p:sp>
+        </mc:Choice>
+        <mc:Fallback>
+          <p:sp>
+            <p:nvSpPr>
+              <p:cNvPr id="17" name="文本框 16">
+                <a:extLst>
+                  <a:ext uri="{FF2B5EF4-FFF2-40B4-BE49-F238E27FC236}">
+                    <a16:creationId xmlns:a16="http://schemas.microsoft.com/office/drawing/2014/main" id="{2358815F-C37E-BE75-1ABA-2DD301740070}"/>
+                  </a:ext>
+                </a:extLst>
+              </p:cNvPr>
+              <p:cNvSpPr txBox="1">
+                <a:spLocks noRot="1" noChangeAspect="1" noMove="1" noResize="1" noEditPoints="1" noAdjustHandles="1" noChangeArrowheads="1" noChangeShapeType="1" noTextEdit="1"/>
+              </p:cNvSpPr>
+              <p:nvPr/>
+            </p:nvSpPr>
+            <p:spPr>
+              <a:xfrm>
+                <a:off x="7562849" y="631034"/>
+                <a:ext cx="952500" cy="369332"/>
+              </a:xfrm>
+              <a:prstGeom prst="rect">
+                <a:avLst/>
+              </a:prstGeom>
+              <a:blipFill>
+                <a:blip r:embed="rId6"/>
+                <a:stretch>
+                  <a:fillRect b="-13333"/>
+                </a:stretch>
+              </a:blipFill>
+            </p:spPr>
+            <p:txBody>
+              <a:bodyPr/>
+              <a:lstStyle/>
+              <a:p>
+                <a:r>
+                  <a:rPr lang="en-US">
+                    <a:noFill/>
+                  </a:rPr>
+                  <a:t> </a:t>
+                </a:r>
+              </a:p>
+            </p:txBody>
+          </p:sp>
+        </mc:Fallback>
+      </mc:AlternateContent>
+      <mc:AlternateContent xmlns:mc="http://schemas.openxmlformats.org/markup-compatibility/2006">
+        <mc:Choice xmlns:a14="http://schemas.microsoft.com/office/drawing/2010/main" Requires="a14">
+          <p:sp>
+            <p:nvSpPr>
+              <p:cNvPr id="18" name="矩形: 圆角 17">
+                <a:extLst>
+                  <a:ext uri="{FF2B5EF4-FFF2-40B4-BE49-F238E27FC236}">
+                    <a16:creationId xmlns:a16="http://schemas.microsoft.com/office/drawing/2014/main" id="{54449419-F740-11D7-0F98-45F80539A505}"/>
+                  </a:ext>
+                </a:extLst>
+              </p:cNvPr>
+              <p:cNvSpPr/>
+              <p:nvPr/>
+            </p:nvSpPr>
+            <p:spPr>
+              <a:xfrm>
+                <a:off x="2962276" y="2171699"/>
+                <a:ext cx="1409700" cy="809625"/>
+              </a:xfrm>
+              <a:prstGeom prst="roundRect">
+                <a:avLst/>
+              </a:prstGeom>
+              <a:noFill/>
+            </p:spPr>
+            <p:style>
+              <a:lnRef idx="2">
+                <a:schemeClr val="accent1">
+                  <a:shade val="15000"/>
+                </a:schemeClr>
+              </a:lnRef>
+              <a:fillRef idx="1">
+                <a:schemeClr val="accent1"/>
+              </a:fillRef>
+              <a:effectRef idx="0">
+                <a:schemeClr val="accent1"/>
+              </a:effectRef>
+              <a:fontRef idx="minor">
+                <a:schemeClr val="lt1"/>
+              </a:fontRef>
+            </p:style>
+            <p:txBody>
+              <a:bodyPr rtlCol="0" anchor="ctr"/>
+              <a:lstStyle/>
+              <a:p>
+                <a:pPr algn="ctr"/>
+                <a14:m>
+                  <m:oMathPara xmlns:m="http://schemas.openxmlformats.org/officeDocument/2006/math">
+                    <m:oMathParaPr>
+                      <m:jc m:val="centerGroup"/>
+                    </m:oMathParaPr>
+                    <m:oMath xmlns:m="http://schemas.openxmlformats.org/officeDocument/2006/math">
+                      <m:r>
+                        <a:rPr lang="en-US" i="1" dirty="0" smtClean="0">
+                          <a:solidFill>
+                            <a:schemeClr val="tx1"/>
+                          </a:solidFill>
+                          <a:latin typeface="Cambria Math" panose="02040503050406030204" pitchFamily="18" charset="0"/>
+                        </a:rPr>
+                        <m:t>𝑋</m:t>
+                      </m:r>
+                      <m:r>
+                        <a:rPr lang="en-US" b="0" i="1" dirty="0" smtClean="0">
+                          <a:solidFill>
+                            <a:schemeClr val="tx1"/>
+                          </a:solidFill>
+                          <a:latin typeface="Cambria Math" panose="02040503050406030204" pitchFamily="18" charset="0"/>
+                        </a:rPr>
+                        <m:t>′</m:t>
+                      </m:r>
+                    </m:oMath>
+                  </m:oMathPara>
+                </a14:m>
+                <a:endParaRPr lang="en-US" dirty="0">
+                  <a:solidFill>
+                    <a:schemeClr val="tx1"/>
+                  </a:solidFill>
+                </a:endParaRPr>
+              </a:p>
+            </p:txBody>
+          </p:sp>
+        </mc:Choice>
+        <mc:Fallback>
+          <p:sp>
+            <p:nvSpPr>
+              <p:cNvPr id="18" name="矩形: 圆角 17">
+                <a:extLst>
+                  <a:ext uri="{FF2B5EF4-FFF2-40B4-BE49-F238E27FC236}">
+                    <a16:creationId xmlns:a16="http://schemas.microsoft.com/office/drawing/2014/main" id="{54449419-F740-11D7-0F98-45F80539A505}"/>
+                  </a:ext>
+                </a:extLst>
+              </p:cNvPr>
+              <p:cNvSpPr>
+                <a:spLocks noRot="1" noChangeAspect="1" noMove="1" noResize="1" noEditPoints="1" noAdjustHandles="1" noChangeArrowheads="1" noChangeShapeType="1" noTextEdit="1"/>
+              </p:cNvSpPr>
+              <p:nvPr/>
+            </p:nvSpPr>
+            <p:spPr>
+              <a:xfrm>
+                <a:off x="2962276" y="2171699"/>
+                <a:ext cx="1409700" cy="809625"/>
+              </a:xfrm>
+              <a:prstGeom prst="roundRect">
+                <a:avLst/>
+              </a:prstGeom>
+              <a:blipFill>
+                <a:blip r:embed="rId7"/>
+                <a:stretch>
+                  <a:fillRect/>
+                </a:stretch>
+              </a:blipFill>
+            </p:spPr>
+            <p:txBody>
+              <a:bodyPr/>
+              <a:lstStyle/>
+              <a:p>
+                <a:r>
+                  <a:rPr lang="en-US">
+                    <a:noFill/>
+                  </a:rPr>
+                  <a:t> </a:t>
+                </a:r>
+              </a:p>
+            </p:txBody>
+          </p:sp>
+        </mc:Fallback>
+      </mc:AlternateContent>
+      <mc:AlternateContent xmlns:mc="http://schemas.openxmlformats.org/markup-compatibility/2006">
+        <mc:Choice xmlns:a14="http://schemas.microsoft.com/office/drawing/2010/main" Requires="a14">
+          <p:sp>
+            <p:nvSpPr>
+              <p:cNvPr id="19" name="矩形: 圆角 18">
+                <a:extLst>
+                  <a:ext uri="{FF2B5EF4-FFF2-40B4-BE49-F238E27FC236}">
+                    <a16:creationId xmlns:a16="http://schemas.microsoft.com/office/drawing/2014/main" id="{E0833CBB-5981-F9C6-8C66-A7453AC8183B}"/>
+                  </a:ext>
+                </a:extLst>
+              </p:cNvPr>
+              <p:cNvSpPr/>
+              <p:nvPr/>
+            </p:nvSpPr>
+            <p:spPr>
+              <a:xfrm>
+                <a:off x="5838825" y="2171696"/>
+                <a:ext cx="1409700" cy="809625"/>
+              </a:xfrm>
+              <a:prstGeom prst="roundRect">
+                <a:avLst/>
+              </a:prstGeom>
+              <a:noFill/>
+            </p:spPr>
+            <p:style>
+              <a:lnRef idx="2">
+                <a:schemeClr val="accent1">
+                  <a:shade val="15000"/>
+                </a:schemeClr>
+              </a:lnRef>
+              <a:fillRef idx="1">
+                <a:schemeClr val="accent1"/>
+              </a:fillRef>
+              <a:effectRef idx="0">
+                <a:schemeClr val="accent1"/>
+              </a:effectRef>
+              <a:fontRef idx="minor">
+                <a:schemeClr val="lt1"/>
+              </a:fontRef>
+            </p:style>
+            <p:txBody>
+              <a:bodyPr rtlCol="0" anchor="ctr"/>
+              <a:lstStyle/>
+              <a:p>
+                <a:pPr algn="ctr"/>
+                <a14:m>
+                  <m:oMathPara xmlns:m="http://schemas.openxmlformats.org/officeDocument/2006/math">
+                    <m:oMathParaPr>
+                      <m:jc m:val="centerGroup"/>
+                    </m:oMathParaPr>
+                    <m:oMath xmlns:m="http://schemas.openxmlformats.org/officeDocument/2006/math">
+                      <m:r>
+                        <a:rPr lang="en-US" i="1" dirty="0" smtClean="0">
+                          <a:solidFill>
+                            <a:schemeClr val="tx1"/>
+                          </a:solidFill>
+                          <a:latin typeface="Cambria Math" panose="02040503050406030204" pitchFamily="18" charset="0"/>
+                        </a:rPr>
+                        <m:t>𝐿𝑜𝑠</m:t>
+                      </m:r>
+                      <m:r>
+                        <a:rPr lang="en-US" i="1" dirty="0">
+                          <a:solidFill>
+                            <a:schemeClr val="tx1"/>
+                          </a:solidFill>
+                          <a:latin typeface="Cambria Math" panose="02040503050406030204" pitchFamily="18" charset="0"/>
+                        </a:rPr>
+                        <m:t>𝑠</m:t>
+                      </m:r>
+                    </m:oMath>
+                  </m:oMathPara>
+                </a14:m>
+                <a:endParaRPr lang="en-US" dirty="0">
+                  <a:solidFill>
+                    <a:schemeClr val="tx1"/>
+                  </a:solidFill>
+                </a:endParaRPr>
+              </a:p>
+            </p:txBody>
+          </p:sp>
+        </mc:Choice>
+        <mc:Fallback>
+          <p:sp>
+            <p:nvSpPr>
+              <p:cNvPr id="19" name="矩形: 圆角 18">
+                <a:extLst>
+                  <a:ext uri="{FF2B5EF4-FFF2-40B4-BE49-F238E27FC236}">
+                    <a16:creationId xmlns:a16="http://schemas.microsoft.com/office/drawing/2014/main" id="{E0833CBB-5981-F9C6-8C66-A7453AC8183B}"/>
+                  </a:ext>
+                </a:extLst>
+              </p:cNvPr>
+              <p:cNvSpPr>
+                <a:spLocks noRot="1" noChangeAspect="1" noMove="1" noResize="1" noEditPoints="1" noAdjustHandles="1" noChangeArrowheads="1" noChangeShapeType="1" noTextEdit="1"/>
+              </p:cNvSpPr>
+              <p:nvPr/>
+            </p:nvSpPr>
+            <p:spPr>
+              <a:xfrm>
+                <a:off x="5838825" y="2171696"/>
+                <a:ext cx="1409700" cy="809625"/>
+              </a:xfrm>
+              <a:prstGeom prst="roundRect">
+                <a:avLst/>
+              </a:prstGeom>
+              <a:blipFill>
+                <a:blip r:embed="rId8"/>
+                <a:stretch>
+                  <a:fillRect/>
+                </a:stretch>
+              </a:blipFill>
+            </p:spPr>
+            <p:txBody>
+              <a:bodyPr/>
+              <a:lstStyle/>
+              <a:p>
+                <a:r>
+                  <a:rPr lang="en-US">
+                    <a:noFill/>
+                  </a:rPr>
+                  <a:t> </a:t>
+                </a:r>
+              </a:p>
+            </p:txBody>
+          </p:sp>
+        </mc:Fallback>
+      </mc:AlternateContent>
+      <mc:AlternateContent xmlns:mc="http://schemas.openxmlformats.org/markup-compatibility/2006">
+        <mc:Choice xmlns:a14="http://schemas.microsoft.com/office/drawing/2010/main" Requires="a14">
+          <p:sp>
+            <p:nvSpPr>
+              <p:cNvPr id="20" name="矩形: 圆角 19">
+                <a:extLst>
+                  <a:ext uri="{FF2B5EF4-FFF2-40B4-BE49-F238E27FC236}">
+                    <a16:creationId xmlns:a16="http://schemas.microsoft.com/office/drawing/2014/main" id="{3692E909-C81C-DD75-4B4F-179C47120F41}"/>
+                  </a:ext>
+                </a:extLst>
+              </p:cNvPr>
+              <p:cNvSpPr/>
+              <p:nvPr/>
+            </p:nvSpPr>
+            <p:spPr>
+              <a:xfrm>
+                <a:off x="8924926" y="2171697"/>
+                <a:ext cx="1409700" cy="809625"/>
+              </a:xfrm>
+              <a:prstGeom prst="roundRect">
+                <a:avLst/>
+              </a:prstGeom>
+              <a:noFill/>
+            </p:spPr>
+            <p:style>
+              <a:lnRef idx="2">
+                <a:schemeClr val="accent1">
+                  <a:shade val="15000"/>
+                </a:schemeClr>
+              </a:lnRef>
+              <a:fillRef idx="1">
+                <a:schemeClr val="accent1"/>
+              </a:fillRef>
+              <a:effectRef idx="0">
+                <a:schemeClr val="accent1"/>
+              </a:effectRef>
+              <a:fontRef idx="minor">
+                <a:schemeClr val="lt1"/>
+              </a:fontRef>
+            </p:style>
+            <p:txBody>
+              <a:bodyPr rtlCol="0" anchor="ctr"/>
+              <a:lstStyle/>
+              <a:p>
+                <a:pPr algn="ctr"/>
+                <a14:m>
+                  <m:oMathPara xmlns:m="http://schemas.openxmlformats.org/officeDocument/2006/math">
+                    <m:oMathParaPr>
+                      <m:jc m:val="centerGroup"/>
+                    </m:oMathParaPr>
+                    <m:oMath xmlns:m="http://schemas.openxmlformats.org/officeDocument/2006/math">
+                      <m:r>
+                        <a:rPr lang="en-US" i="1" dirty="0" smtClean="0">
+                          <a:solidFill>
+                            <a:schemeClr val="tx1"/>
+                          </a:solidFill>
+                          <a:latin typeface="Cambria Math" panose="02040503050406030204" pitchFamily="18" charset="0"/>
+                        </a:rPr>
+                        <m:t>𝑋</m:t>
+                      </m:r>
+                      <m:r>
+                        <a:rPr lang="en-US" b="0" i="1" dirty="0" smtClean="0">
+                          <a:solidFill>
+                            <a:schemeClr val="tx1"/>
+                          </a:solidFill>
+                          <a:latin typeface="Cambria Math" panose="02040503050406030204" pitchFamily="18" charset="0"/>
+                        </a:rPr>
+                        <m:t>′</m:t>
+                      </m:r>
+                      <m:r>
+                        <a:rPr lang="en-US" b="0" i="0" dirty="0" smtClean="0">
+                          <a:solidFill>
+                            <a:schemeClr val="tx1"/>
+                          </a:solidFill>
+                          <a:latin typeface="Cambria Math" panose="02040503050406030204" pitchFamily="18" charset="0"/>
+                        </a:rPr>
+                        <m:t>′</m:t>
+                      </m:r>
+                    </m:oMath>
+                  </m:oMathPara>
+                </a14:m>
+                <a:endParaRPr lang="en-US" dirty="0">
+                  <a:solidFill>
+                    <a:schemeClr val="tx1"/>
+                  </a:solidFill>
+                </a:endParaRPr>
+              </a:p>
+            </p:txBody>
+          </p:sp>
+        </mc:Choice>
+        <mc:Fallback>
+          <p:sp>
+            <p:nvSpPr>
+              <p:cNvPr id="20" name="矩形: 圆角 19">
+                <a:extLst>
+                  <a:ext uri="{FF2B5EF4-FFF2-40B4-BE49-F238E27FC236}">
+                    <a16:creationId xmlns:a16="http://schemas.microsoft.com/office/drawing/2014/main" id="{3692E909-C81C-DD75-4B4F-179C47120F41}"/>
+                  </a:ext>
+                </a:extLst>
+              </p:cNvPr>
+              <p:cNvSpPr>
+                <a:spLocks noRot="1" noChangeAspect="1" noMove="1" noResize="1" noEditPoints="1" noAdjustHandles="1" noChangeArrowheads="1" noChangeShapeType="1" noTextEdit="1"/>
+              </p:cNvSpPr>
+              <p:nvPr/>
+            </p:nvSpPr>
+            <p:spPr>
+              <a:xfrm>
+                <a:off x="8924926" y="2171697"/>
+                <a:ext cx="1409700" cy="809625"/>
+              </a:xfrm>
+              <a:prstGeom prst="roundRect">
+                <a:avLst/>
+              </a:prstGeom>
+              <a:blipFill>
+                <a:blip r:embed="rId9"/>
+                <a:stretch>
+                  <a:fillRect/>
+                </a:stretch>
+              </a:blipFill>
+            </p:spPr>
+            <p:txBody>
+              <a:bodyPr/>
+              <a:lstStyle/>
+              <a:p>
+                <a:r>
+                  <a:rPr lang="en-US">
+                    <a:noFill/>
+                  </a:rPr>
+                  <a:t> </a:t>
+                </a:r>
+              </a:p>
+            </p:txBody>
+          </p:sp>
+        </mc:Fallback>
+      </mc:AlternateContent>
+      <p:cxnSp>
+        <p:nvCxnSpPr>
+          <p:cNvPr id="21" name="直接箭头连接符 20">
+            <a:extLst>
+              <a:ext uri="{FF2B5EF4-FFF2-40B4-BE49-F238E27FC236}">
+                <a16:creationId xmlns:a16="http://schemas.microsoft.com/office/drawing/2014/main" id="{73E6E680-F901-DAFB-1AF7-BE784CBF3E8D}"/>
+              </a:ext>
+            </a:extLst>
+          </p:cNvPr>
+          <p:cNvCxnSpPr>
+            <a:stCxn id="18" idx="3"/>
+            <a:endCxn id="19" idx="1"/>
+          </p:cNvCxnSpPr>
+          <p:nvPr/>
+        </p:nvCxnSpPr>
+        <p:spPr>
+          <a:xfrm flipV="1">
+            <a:off x="4371976" y="2576509"/>
+            <a:ext cx="1466849" cy="3"/>
+          </a:xfrm>
+          <a:prstGeom prst="straightConnector1">
+            <a:avLst/>
+          </a:prstGeom>
+          <a:ln>
+            <a:tailEnd type="triangle"/>
+          </a:ln>
+        </p:spPr>
+        <p:style>
+          <a:lnRef idx="2">
+            <a:schemeClr val="accent1"/>
+          </a:lnRef>
+          <a:fillRef idx="0">
+            <a:schemeClr val="accent1"/>
+          </a:fillRef>
+          <a:effectRef idx="1">
+            <a:schemeClr val="accent1"/>
+          </a:effectRef>
+          <a:fontRef idx="minor">
+            <a:schemeClr val="tx1"/>
+          </a:fontRef>
+        </p:style>
+      </p:cxnSp>
+      <p:cxnSp>
+        <p:nvCxnSpPr>
+          <p:cNvPr id="22" name="直接箭头连接符 21">
+            <a:extLst>
+              <a:ext uri="{FF2B5EF4-FFF2-40B4-BE49-F238E27FC236}">
+                <a16:creationId xmlns:a16="http://schemas.microsoft.com/office/drawing/2014/main" id="{588312DC-8EA7-7698-DCDD-9B687074F162}"/>
+              </a:ext>
+            </a:extLst>
+          </p:cNvPr>
+          <p:cNvCxnSpPr>
+            <a:stCxn id="19" idx="3"/>
+            <a:endCxn id="20" idx="1"/>
+          </p:cNvCxnSpPr>
+          <p:nvPr/>
+        </p:nvCxnSpPr>
+        <p:spPr>
+          <a:xfrm>
+            <a:off x="7248525" y="2576509"/>
+            <a:ext cx="1676401" cy="1"/>
+          </a:xfrm>
+          <a:prstGeom prst="straightConnector1">
+            <a:avLst/>
+          </a:prstGeom>
+          <a:ln>
+            <a:tailEnd type="triangle"/>
+          </a:ln>
+        </p:spPr>
+        <p:style>
+          <a:lnRef idx="2">
+            <a:schemeClr val="accent1"/>
+          </a:lnRef>
+          <a:fillRef idx="0">
+            <a:schemeClr val="accent1"/>
+          </a:fillRef>
+          <a:effectRef idx="1">
+            <a:schemeClr val="accent1"/>
+          </a:effectRef>
+          <a:fontRef idx="minor">
+            <a:schemeClr val="tx1"/>
+          </a:fontRef>
+        </p:style>
+      </p:cxnSp>
+      <mc:AlternateContent xmlns:mc="http://schemas.openxmlformats.org/markup-compatibility/2006">
+        <mc:Choice xmlns:a14="http://schemas.microsoft.com/office/drawing/2010/main" Requires="a14">
+          <p:sp>
+            <p:nvSpPr>
+              <p:cNvPr id="23" name="文本框 22">
+                <a:extLst>
+                  <a:ext uri="{FF2B5EF4-FFF2-40B4-BE49-F238E27FC236}">
+                    <a16:creationId xmlns:a16="http://schemas.microsoft.com/office/drawing/2014/main" id="{48359FA6-E925-63E8-9775-3B39C6140B44}"/>
+                  </a:ext>
+                </a:extLst>
+              </p:cNvPr>
+              <p:cNvSpPr txBox="1"/>
+              <p:nvPr/>
+            </p:nvSpPr>
+            <p:spPr>
+              <a:xfrm>
+                <a:off x="4572001" y="2145509"/>
+                <a:ext cx="952500" cy="369332"/>
+              </a:xfrm>
+              <a:prstGeom prst="rect">
+                <a:avLst/>
+              </a:prstGeom>
+              <a:noFill/>
+            </p:spPr>
+            <p:txBody>
+              <a:bodyPr wrap="square" rtlCol="0">
+                <a:spAutoFit/>
+              </a:bodyPr>
+              <a:lstStyle/>
+              <a:p>
+                <a14:m>
+                  <m:oMathPara xmlns:m="http://schemas.openxmlformats.org/officeDocument/2006/math">
+                    <m:oMathParaPr>
+                      <m:jc m:val="centerGroup"/>
+                    </m:oMathParaPr>
+                    <m:oMath xmlns:m="http://schemas.openxmlformats.org/officeDocument/2006/math">
+                      <m:r>
+                        <a:rPr lang="en-US" b="0" i="1" smtClean="0">
+                          <a:latin typeface="Cambria Math" panose="02040503050406030204" pitchFamily="18" charset="0"/>
+                        </a:rPr>
+                        <m:t>𝑓</m:t>
+                      </m:r>
+                    </m:oMath>
+                  </m:oMathPara>
+                </a14:m>
+                <a:endParaRPr lang="en-US" dirty="0"/>
+              </a:p>
+            </p:txBody>
+          </p:sp>
+        </mc:Choice>
+        <mc:Fallback>
+          <p:sp>
+            <p:nvSpPr>
+              <p:cNvPr id="23" name="文本框 22">
+                <a:extLst>
+                  <a:ext uri="{FF2B5EF4-FFF2-40B4-BE49-F238E27FC236}">
+                    <a16:creationId xmlns:a16="http://schemas.microsoft.com/office/drawing/2014/main" id="{48359FA6-E925-63E8-9775-3B39C6140B44}"/>
+                  </a:ext>
+                </a:extLst>
+              </p:cNvPr>
+              <p:cNvSpPr txBox="1">
+                <a:spLocks noRot="1" noChangeAspect="1" noMove="1" noResize="1" noEditPoints="1" noAdjustHandles="1" noChangeArrowheads="1" noChangeShapeType="1" noTextEdit="1"/>
+              </p:cNvSpPr>
+              <p:nvPr/>
+            </p:nvSpPr>
+            <p:spPr>
+              <a:xfrm>
+                <a:off x="4572001" y="2145509"/>
+                <a:ext cx="952500" cy="369332"/>
+              </a:xfrm>
+              <a:prstGeom prst="rect">
+                <a:avLst/>
+              </a:prstGeom>
+              <a:blipFill>
+                <a:blip r:embed="rId10"/>
+                <a:stretch>
+                  <a:fillRect b="-11475"/>
+                </a:stretch>
+              </a:blipFill>
+            </p:spPr>
+            <p:txBody>
+              <a:bodyPr/>
+              <a:lstStyle/>
+              <a:p>
+                <a:r>
+                  <a:rPr lang="en-US">
+                    <a:noFill/>
+                  </a:rPr>
+                  <a:t> </a:t>
+                </a:r>
+              </a:p>
+            </p:txBody>
+          </p:sp>
+        </mc:Fallback>
+      </mc:AlternateContent>
+      <mc:AlternateContent xmlns:mc="http://schemas.openxmlformats.org/markup-compatibility/2006">
+        <mc:Choice xmlns:a14="http://schemas.microsoft.com/office/drawing/2010/main" Requires="a14">
+          <p:sp>
+            <p:nvSpPr>
+              <p:cNvPr id="24" name="文本框 23">
+                <a:extLst>
+                  <a:ext uri="{FF2B5EF4-FFF2-40B4-BE49-F238E27FC236}">
+                    <a16:creationId xmlns:a16="http://schemas.microsoft.com/office/drawing/2014/main" id="{5443EE61-D748-323A-FEBB-564D3C2B19F0}"/>
+                  </a:ext>
+                </a:extLst>
+              </p:cNvPr>
+              <p:cNvSpPr txBox="1"/>
+              <p:nvPr/>
+            </p:nvSpPr>
+            <p:spPr>
+              <a:xfrm>
+                <a:off x="7562849" y="2145509"/>
+                <a:ext cx="952500" cy="369332"/>
+              </a:xfrm>
+              <a:prstGeom prst="rect">
+                <a:avLst/>
+              </a:prstGeom>
+              <a:noFill/>
+            </p:spPr>
+            <p:txBody>
+              <a:bodyPr wrap="square" rtlCol="0">
+                <a:spAutoFit/>
+              </a:bodyPr>
+              <a:lstStyle/>
+              <a:p>
+                <a14:m>
+                  <m:oMathPara xmlns:m="http://schemas.openxmlformats.org/officeDocument/2006/math">
+                    <m:oMathParaPr>
+                      <m:jc m:val="centerGroup"/>
+                    </m:oMathParaPr>
+                    <m:oMath xmlns:m="http://schemas.openxmlformats.org/officeDocument/2006/math">
+                      <m:r>
+                        <m:rPr>
+                          <m:sty m:val="p"/>
+                        </m:rPr>
+                        <a:rPr lang="en-US" b="0" i="0" smtClean="0">
+                          <a:latin typeface="Cambria Math" panose="02040503050406030204" pitchFamily="18" charset="0"/>
+                        </a:rPr>
+                        <m:t>∇</m:t>
+                      </m:r>
+                      <m:sSub>
+                        <m:sSubPr>
+                          <m:ctrlPr>
+                            <a:rPr lang="en-US" b="0" i="1" smtClean="0">
+                              <a:latin typeface="Cambria Math" panose="02040503050406030204" pitchFamily="18" charset="0"/>
+                            </a:rPr>
+                          </m:ctrlPr>
+                        </m:sSubPr>
+                        <m:e>
+                          <m:r>
+                            <a:rPr lang="en-US" b="0" i="1" smtClean="0">
+                              <a:latin typeface="Cambria Math" panose="02040503050406030204" pitchFamily="18" charset="0"/>
+                            </a:rPr>
+                            <m:t>𝑓</m:t>
+                          </m:r>
+                        </m:e>
+                        <m:sub>
+                          <m:r>
+                            <a:rPr lang="en-US" b="0" i="1" smtClean="0">
+                              <a:latin typeface="Cambria Math" panose="02040503050406030204" pitchFamily="18" charset="0"/>
+                            </a:rPr>
+                            <m:t>𝑥</m:t>
+                          </m:r>
+                          <m:r>
+                            <a:rPr lang="en-US" b="0" i="1" smtClean="0">
+                              <a:latin typeface="Cambria Math" panose="02040503050406030204" pitchFamily="18" charset="0"/>
+                            </a:rPr>
+                            <m:t>′</m:t>
+                          </m:r>
+                        </m:sub>
+                      </m:sSub>
+                    </m:oMath>
+                  </m:oMathPara>
+                </a14:m>
+                <a:endParaRPr lang="en-US" dirty="0"/>
+              </a:p>
+            </p:txBody>
+          </p:sp>
+        </mc:Choice>
+        <mc:Fallback>
+          <p:sp>
+            <p:nvSpPr>
+              <p:cNvPr id="24" name="文本框 23">
+                <a:extLst>
+                  <a:ext uri="{FF2B5EF4-FFF2-40B4-BE49-F238E27FC236}">
+                    <a16:creationId xmlns:a16="http://schemas.microsoft.com/office/drawing/2014/main" id="{5443EE61-D748-323A-FEBB-564D3C2B19F0}"/>
+                  </a:ext>
+                </a:extLst>
+              </p:cNvPr>
+              <p:cNvSpPr txBox="1">
+                <a:spLocks noRot="1" noChangeAspect="1" noMove="1" noResize="1" noEditPoints="1" noAdjustHandles="1" noChangeArrowheads="1" noChangeShapeType="1" noTextEdit="1"/>
+              </p:cNvSpPr>
+              <p:nvPr/>
+            </p:nvSpPr>
+            <p:spPr>
+              <a:xfrm>
+                <a:off x="7562849" y="2145509"/>
+                <a:ext cx="952500" cy="369332"/>
+              </a:xfrm>
+              <a:prstGeom prst="rect">
+                <a:avLst/>
+              </a:prstGeom>
+              <a:blipFill>
+                <a:blip r:embed="rId11"/>
+                <a:stretch>
+                  <a:fillRect b="-11475"/>
+                </a:stretch>
+              </a:blipFill>
+            </p:spPr>
+            <p:txBody>
+              <a:bodyPr/>
+              <a:lstStyle/>
+              <a:p>
+                <a:r>
+                  <a:rPr lang="en-US">
+                    <a:noFill/>
+                  </a:rPr>
+                  <a:t> </a:t>
+                </a:r>
+              </a:p>
+            </p:txBody>
+          </p:sp>
+        </mc:Fallback>
+      </mc:AlternateContent>
+      <p:cxnSp>
+        <p:nvCxnSpPr>
+          <p:cNvPr id="26" name="连接符: 肘形 25">
+            <a:extLst>
+              <a:ext uri="{FF2B5EF4-FFF2-40B4-BE49-F238E27FC236}">
+                <a16:creationId xmlns:a16="http://schemas.microsoft.com/office/drawing/2014/main" id="{F779B7F6-2587-1AF6-856E-EA2B2C234F6B}"/>
+              </a:ext>
+            </a:extLst>
+          </p:cNvPr>
+          <p:cNvCxnSpPr>
+            <a:stCxn id="9" idx="2"/>
+            <a:endCxn id="18" idx="0"/>
+          </p:cNvCxnSpPr>
+          <p:nvPr/>
+        </p:nvCxnSpPr>
+        <p:spPr>
+          <a:xfrm rot="5400000">
+            <a:off x="6296025" y="-1162052"/>
+            <a:ext cx="704852" cy="5962650"/>
+          </a:xfrm>
+          <a:prstGeom prst="bentConnector3">
+            <a:avLst/>
+          </a:prstGeom>
+          <a:ln>
+            <a:tailEnd type="triangle"/>
+          </a:ln>
+        </p:spPr>
+        <p:style>
+          <a:lnRef idx="2">
+            <a:schemeClr val="accent1"/>
+          </a:lnRef>
+          <a:fillRef idx="0">
+            <a:schemeClr val="accent1"/>
+          </a:fillRef>
+          <a:effectRef idx="1">
+            <a:schemeClr val="accent1"/>
+          </a:effectRef>
+          <a:fontRef idx="minor">
+            <a:schemeClr val="tx1"/>
+          </a:fontRef>
+        </p:style>
+      </p:cxnSp>
+      <p:sp>
+        <p:nvSpPr>
+          <p:cNvPr id="27" name="椭圆 26">
+            <a:extLst>
+              <a:ext uri="{FF2B5EF4-FFF2-40B4-BE49-F238E27FC236}">
+                <a16:creationId xmlns:a16="http://schemas.microsoft.com/office/drawing/2014/main" id="{B5C079CB-9F26-D1A3-BE19-C51EBF28EB73}"/>
+              </a:ext>
+            </a:extLst>
+          </p:cNvPr>
+          <p:cNvSpPr/>
+          <p:nvPr/>
+        </p:nvSpPr>
+        <p:spPr>
+          <a:xfrm>
+            <a:off x="5410201" y="3766184"/>
+            <a:ext cx="45719" cy="45719"/>
+          </a:xfrm>
+          <a:prstGeom prst="ellipse">
+            <a:avLst/>
+          </a:prstGeom>
+        </p:spPr>
+        <p:style>
+          <a:lnRef idx="2">
+            <a:schemeClr val="accent1">
+              <a:shade val="15000"/>
+            </a:schemeClr>
+          </a:lnRef>
+          <a:fillRef idx="1">
+            <a:schemeClr val="accent1"/>
+          </a:fillRef>
+          <a:effectRef idx="0">
+            <a:schemeClr val="accent1"/>
+          </a:effectRef>
+          <a:fontRef idx="minor">
+            <a:schemeClr val="lt1"/>
+          </a:fontRef>
+        </p:style>
+        <p:txBody>
+          <a:bodyPr rtlCol="0" anchor="ctr"/>
+          <a:lstStyle/>
+          <a:p>
+            <a:pPr algn="ctr"/>
+            <a:endParaRPr lang="en-US"/>
+          </a:p>
+        </p:txBody>
+      </p:sp>
+      <p:sp>
+        <p:nvSpPr>
+          <p:cNvPr id="28" name="椭圆 27">
+            <a:extLst>
+              <a:ext uri="{FF2B5EF4-FFF2-40B4-BE49-F238E27FC236}">
+                <a16:creationId xmlns:a16="http://schemas.microsoft.com/office/drawing/2014/main" id="{D82E3FFA-0A81-AC5C-DEAE-2D90738B4D72}"/>
+              </a:ext>
+            </a:extLst>
+          </p:cNvPr>
+          <p:cNvSpPr/>
+          <p:nvPr/>
+        </p:nvSpPr>
+        <p:spPr>
+          <a:xfrm>
+            <a:off x="6772276" y="3766184"/>
+            <a:ext cx="45719" cy="45719"/>
+          </a:xfrm>
+          <a:prstGeom prst="ellipse">
+            <a:avLst/>
+          </a:prstGeom>
+        </p:spPr>
+        <p:style>
+          <a:lnRef idx="2">
+            <a:schemeClr val="accent1">
+              <a:shade val="15000"/>
+            </a:schemeClr>
+          </a:lnRef>
+          <a:fillRef idx="1">
+            <a:schemeClr val="accent1"/>
+          </a:fillRef>
+          <a:effectRef idx="0">
+            <a:schemeClr val="accent1"/>
+          </a:effectRef>
+          <a:fontRef idx="minor">
+            <a:schemeClr val="lt1"/>
+          </a:fontRef>
+        </p:style>
+        <p:txBody>
+          <a:bodyPr rtlCol="0" anchor="ctr"/>
+          <a:lstStyle/>
+          <a:p>
+            <a:pPr algn="ctr"/>
+            <a:endParaRPr lang="en-US"/>
+          </a:p>
+        </p:txBody>
+      </p:sp>
+      <p:sp>
+        <p:nvSpPr>
+          <p:cNvPr id="29" name="椭圆 28">
+            <a:extLst>
+              <a:ext uri="{FF2B5EF4-FFF2-40B4-BE49-F238E27FC236}">
+                <a16:creationId xmlns:a16="http://schemas.microsoft.com/office/drawing/2014/main" id="{A4F19A3D-2E4A-4264-6F15-FD28C7679529}"/>
+              </a:ext>
+            </a:extLst>
+          </p:cNvPr>
+          <p:cNvSpPr/>
+          <p:nvPr/>
+        </p:nvSpPr>
+        <p:spPr>
+          <a:xfrm>
+            <a:off x="8039099" y="3743325"/>
+            <a:ext cx="45719" cy="45719"/>
+          </a:xfrm>
+          <a:prstGeom prst="ellipse">
+            <a:avLst/>
+          </a:prstGeom>
+        </p:spPr>
+        <p:style>
+          <a:lnRef idx="2">
+            <a:schemeClr val="accent1">
+              <a:shade val="15000"/>
+            </a:schemeClr>
+          </a:lnRef>
+          <a:fillRef idx="1">
+            <a:schemeClr val="accent1"/>
+          </a:fillRef>
+          <a:effectRef idx="0">
+            <a:schemeClr val="accent1"/>
+          </a:effectRef>
+          <a:fontRef idx="minor">
+            <a:schemeClr val="lt1"/>
+          </a:fontRef>
+        </p:style>
+        <p:txBody>
+          <a:bodyPr rtlCol="0" anchor="ctr"/>
+          <a:lstStyle/>
+          <a:p>
+            <a:pPr algn="ctr"/>
+            <a:endParaRPr lang="en-US"/>
+          </a:p>
+        </p:txBody>
+      </p:sp>
+      <mc:AlternateContent xmlns:mc="http://schemas.openxmlformats.org/markup-compatibility/2006">
+        <mc:Choice xmlns:a14="http://schemas.microsoft.com/office/drawing/2010/main" Requires="a14">
+          <p:sp>
+            <p:nvSpPr>
+              <p:cNvPr id="30" name="矩形: 圆角 29">
+                <a:extLst>
+                  <a:ext uri="{FF2B5EF4-FFF2-40B4-BE49-F238E27FC236}">
+                    <a16:creationId xmlns:a16="http://schemas.microsoft.com/office/drawing/2014/main" id="{7DA8B523-43F6-BA92-53E1-C8DF176BD372}"/>
+                  </a:ext>
+                </a:extLst>
+              </p:cNvPr>
+              <p:cNvSpPr/>
+              <p:nvPr/>
+            </p:nvSpPr>
+            <p:spPr>
+              <a:xfrm>
+                <a:off x="8924926" y="3281359"/>
+                <a:ext cx="1409700" cy="809625"/>
+              </a:xfrm>
+              <a:prstGeom prst="roundRect">
+                <a:avLst/>
+              </a:prstGeom>
+              <a:noFill/>
+            </p:spPr>
+            <p:style>
+              <a:lnRef idx="2">
+                <a:schemeClr val="accent1">
+                  <a:shade val="15000"/>
+                </a:schemeClr>
+              </a:lnRef>
+              <a:fillRef idx="1">
+                <a:schemeClr val="accent1"/>
+              </a:fillRef>
+              <a:effectRef idx="0">
+                <a:schemeClr val="accent1"/>
+              </a:effectRef>
+              <a:fontRef idx="minor">
+                <a:schemeClr val="lt1"/>
+              </a:fontRef>
+            </p:style>
+            <p:txBody>
+              <a:bodyPr rtlCol="0" anchor="ctr"/>
+              <a:lstStyle/>
+              <a:p>
+                <a:pPr algn="ctr"/>
+                <a14:m>
+                  <m:oMathPara xmlns:m="http://schemas.openxmlformats.org/officeDocument/2006/math">
+                    <m:oMathParaPr>
+                      <m:jc m:val="centerGroup"/>
+                    </m:oMathParaPr>
+                    <m:oMath xmlns:m="http://schemas.openxmlformats.org/officeDocument/2006/math">
+                      <m:sSup>
+                        <m:sSupPr>
+                          <m:ctrlPr>
+                            <a:rPr lang="en-US" b="0" i="1" dirty="0" smtClean="0">
+                              <a:solidFill>
+                                <a:schemeClr val="tx1"/>
+                              </a:solidFill>
+                              <a:latin typeface="Cambria Math" panose="02040503050406030204" pitchFamily="18" charset="0"/>
+                            </a:rPr>
+                          </m:ctrlPr>
+                        </m:sSupPr>
+                        <m:e>
+                          <m:r>
+                            <a:rPr lang="en-US" i="1" dirty="0" smtClean="0">
+                              <a:solidFill>
+                                <a:schemeClr val="tx1"/>
+                              </a:solidFill>
+                              <a:latin typeface="Cambria Math" panose="02040503050406030204" pitchFamily="18" charset="0"/>
+                            </a:rPr>
+                            <m:t>𝑋</m:t>
+                          </m:r>
+                        </m:e>
+                        <m:sup>
+                          <m:r>
+                            <a:rPr lang="en-US" b="0" i="1" dirty="0" smtClean="0">
+                              <a:solidFill>
+                                <a:schemeClr val="tx1"/>
+                              </a:solidFill>
+                              <a:latin typeface="Cambria Math" panose="02040503050406030204" pitchFamily="18" charset="0"/>
+                            </a:rPr>
+                            <m:t>𝑘</m:t>
+                          </m:r>
+                        </m:sup>
+                      </m:sSup>
+                    </m:oMath>
+                  </m:oMathPara>
+                </a14:m>
+                <a:endParaRPr lang="en-US" dirty="0">
+                  <a:solidFill>
+                    <a:schemeClr val="tx1"/>
+                  </a:solidFill>
+                </a:endParaRPr>
+              </a:p>
+            </p:txBody>
+          </p:sp>
+        </mc:Choice>
+        <mc:Fallback>
+          <p:sp>
+            <p:nvSpPr>
+              <p:cNvPr id="30" name="矩形: 圆角 29">
+                <a:extLst>
+                  <a:ext uri="{FF2B5EF4-FFF2-40B4-BE49-F238E27FC236}">
+                    <a16:creationId xmlns:a16="http://schemas.microsoft.com/office/drawing/2014/main" id="{7DA8B523-43F6-BA92-53E1-C8DF176BD372}"/>
+                  </a:ext>
+                </a:extLst>
+              </p:cNvPr>
+              <p:cNvSpPr>
+                <a:spLocks noRot="1" noChangeAspect="1" noMove="1" noResize="1" noEditPoints="1" noAdjustHandles="1" noChangeArrowheads="1" noChangeShapeType="1" noTextEdit="1"/>
+              </p:cNvSpPr>
+              <p:nvPr/>
+            </p:nvSpPr>
+            <p:spPr>
+              <a:xfrm>
+                <a:off x="8924926" y="3281359"/>
+                <a:ext cx="1409700" cy="809625"/>
+              </a:xfrm>
+              <a:prstGeom prst="roundRect">
+                <a:avLst/>
+              </a:prstGeom>
+              <a:blipFill>
+                <a:blip r:embed="rId12"/>
+                <a:stretch>
+                  <a:fillRect/>
+                </a:stretch>
+              </a:blipFill>
+            </p:spPr>
+            <p:txBody>
+              <a:bodyPr/>
+              <a:lstStyle/>
+              <a:p>
+                <a:r>
+                  <a:rPr lang="en-US">
+                    <a:noFill/>
+                  </a:rPr>
+                  <a:t> </a:t>
+                </a:r>
+              </a:p>
+            </p:txBody>
+          </p:sp>
+        </mc:Fallback>
+      </mc:AlternateContent>
+      <p:sp>
+        <p:nvSpPr>
+          <p:cNvPr id="31" name="矩形: 圆角 30">
+            <a:extLst>
+              <a:ext uri="{FF2B5EF4-FFF2-40B4-BE49-F238E27FC236}">
+                <a16:creationId xmlns:a16="http://schemas.microsoft.com/office/drawing/2014/main" id="{16D7B3B8-C203-7D4F-4C88-1DE84EC701F3}"/>
+              </a:ext>
+            </a:extLst>
+          </p:cNvPr>
+          <p:cNvSpPr/>
+          <p:nvPr/>
+        </p:nvSpPr>
+        <p:spPr>
+          <a:xfrm>
+            <a:off x="695325" y="253725"/>
+            <a:ext cx="10286999" cy="4152900"/>
+          </a:xfrm>
+          <a:prstGeom prst="roundRect">
+            <a:avLst/>
+          </a:prstGeom>
+          <a:noFill/>
+        </p:spPr>
+        <p:style>
+          <a:lnRef idx="2">
+            <a:schemeClr val="accent1">
+              <a:shade val="15000"/>
+            </a:schemeClr>
+          </a:lnRef>
+          <a:fillRef idx="1">
+            <a:schemeClr val="accent1"/>
+          </a:fillRef>
+          <a:effectRef idx="0">
+            <a:schemeClr val="accent1"/>
+          </a:effectRef>
+          <a:fontRef idx="minor">
+            <a:schemeClr val="lt1"/>
+          </a:fontRef>
+        </p:style>
+        <p:txBody>
+          <a:bodyPr rtlCol="0" anchor="ctr"/>
+          <a:lstStyle/>
+          <a:p>
+            <a:pPr algn="ctr"/>
+            <a:endParaRPr lang="en-US"/>
+          </a:p>
+        </p:txBody>
+      </p:sp>
+      <p:sp>
+        <p:nvSpPr>
+          <p:cNvPr id="32" name="矩形: 圆角 31">
+            <a:extLst>
+              <a:ext uri="{FF2B5EF4-FFF2-40B4-BE49-F238E27FC236}">
+                <a16:creationId xmlns:a16="http://schemas.microsoft.com/office/drawing/2014/main" id="{74685BB5-A86A-772D-598F-4986362A062F}"/>
+              </a:ext>
+            </a:extLst>
+          </p:cNvPr>
+          <p:cNvSpPr/>
+          <p:nvPr/>
+        </p:nvSpPr>
+        <p:spPr>
+          <a:xfrm>
+            <a:off x="695325" y="4495268"/>
+            <a:ext cx="10286998" cy="2323679"/>
+          </a:xfrm>
+          <a:prstGeom prst="roundRect">
+            <a:avLst/>
+          </a:prstGeom>
+          <a:noFill/>
+        </p:spPr>
+        <p:style>
+          <a:lnRef idx="2">
+            <a:schemeClr val="accent1">
+              <a:shade val="15000"/>
+            </a:schemeClr>
+          </a:lnRef>
+          <a:fillRef idx="1">
+            <a:schemeClr val="accent1"/>
+          </a:fillRef>
+          <a:effectRef idx="0">
+            <a:schemeClr val="accent1"/>
+          </a:effectRef>
+          <a:fontRef idx="minor">
+            <a:schemeClr val="lt1"/>
+          </a:fontRef>
+        </p:style>
+        <p:txBody>
+          <a:bodyPr rtlCol="0" anchor="ctr"/>
+          <a:lstStyle/>
+          <a:p>
+            <a:pPr algn="ctr"/>
+            <a:endParaRPr lang="en-US"/>
+          </a:p>
+        </p:txBody>
+      </p:sp>
+      <mc:AlternateContent xmlns:mc="http://schemas.openxmlformats.org/markup-compatibility/2006">
+        <mc:Choice xmlns:a14="http://schemas.microsoft.com/office/drawing/2010/main" Requires="a14">
+          <p:sp>
+            <p:nvSpPr>
+              <p:cNvPr id="33" name="矩形: 圆角 32">
+                <a:extLst>
+                  <a:ext uri="{FF2B5EF4-FFF2-40B4-BE49-F238E27FC236}">
+                    <a16:creationId xmlns:a16="http://schemas.microsoft.com/office/drawing/2014/main" id="{5C61AFBD-3759-CF4C-336B-9335F594EFE1}"/>
+                  </a:ext>
+                </a:extLst>
+              </p:cNvPr>
+              <p:cNvSpPr/>
+              <p:nvPr/>
+            </p:nvSpPr>
+            <p:spPr>
+              <a:xfrm>
+                <a:off x="3067051" y="5240837"/>
+                <a:ext cx="1409700" cy="809625"/>
+              </a:xfrm>
+              <a:prstGeom prst="roundRect">
+                <a:avLst/>
+              </a:prstGeom>
+              <a:noFill/>
+            </p:spPr>
+            <p:style>
+              <a:lnRef idx="2">
+                <a:schemeClr val="accent1">
+                  <a:shade val="15000"/>
+                </a:schemeClr>
+              </a:lnRef>
+              <a:fillRef idx="1">
+                <a:schemeClr val="accent1"/>
+              </a:fillRef>
+              <a:effectRef idx="0">
+                <a:schemeClr val="accent1"/>
+              </a:effectRef>
+              <a:fontRef idx="minor">
+                <a:schemeClr val="lt1"/>
+              </a:fontRef>
+            </p:style>
+            <p:txBody>
+              <a:bodyPr rtlCol="0" anchor="ctr"/>
+              <a:lstStyle/>
+              <a:p>
+                <a:pPr algn="ctr"/>
+                <a14:m>
+                  <m:oMathPara xmlns:m="http://schemas.openxmlformats.org/officeDocument/2006/math">
+                    <m:oMathParaPr>
+                      <m:jc m:val="centerGroup"/>
+                    </m:oMathParaPr>
+                    <m:oMath xmlns:m="http://schemas.openxmlformats.org/officeDocument/2006/math">
+                      <m:r>
+                        <a:rPr lang="en-US" i="1" dirty="0" smtClean="0">
+                          <a:solidFill>
+                            <a:schemeClr val="tx1"/>
+                          </a:solidFill>
+                          <a:latin typeface="Cambria Math" panose="02040503050406030204" pitchFamily="18" charset="0"/>
+                        </a:rPr>
+                        <m:t>𝑋</m:t>
+                      </m:r>
+                    </m:oMath>
+                  </m:oMathPara>
+                </a14:m>
+                <a:endParaRPr lang="en-US" dirty="0">
+                  <a:solidFill>
+                    <a:schemeClr val="tx1"/>
+                  </a:solidFill>
+                </a:endParaRPr>
+              </a:p>
+            </p:txBody>
+          </p:sp>
+        </mc:Choice>
+        <mc:Fallback>
+          <p:sp>
+            <p:nvSpPr>
+              <p:cNvPr id="33" name="矩形: 圆角 32">
+                <a:extLst>
+                  <a:ext uri="{FF2B5EF4-FFF2-40B4-BE49-F238E27FC236}">
+                    <a16:creationId xmlns:a16="http://schemas.microsoft.com/office/drawing/2014/main" id="{5C61AFBD-3759-CF4C-336B-9335F594EFE1}"/>
+                  </a:ext>
+                </a:extLst>
+              </p:cNvPr>
+              <p:cNvSpPr>
+                <a:spLocks noRot="1" noChangeAspect="1" noMove="1" noResize="1" noEditPoints="1" noAdjustHandles="1" noChangeArrowheads="1" noChangeShapeType="1" noTextEdit="1"/>
+              </p:cNvSpPr>
+              <p:nvPr/>
+            </p:nvSpPr>
+            <p:spPr>
+              <a:xfrm>
+                <a:off x="3067051" y="5240837"/>
+                <a:ext cx="1409700" cy="809625"/>
+              </a:xfrm>
+              <a:prstGeom prst="roundRect">
+                <a:avLst/>
+              </a:prstGeom>
+              <a:blipFill>
+                <a:blip r:embed="rId13"/>
+                <a:stretch>
+                  <a:fillRect/>
+                </a:stretch>
+              </a:blipFill>
+            </p:spPr>
+            <p:txBody>
+              <a:bodyPr/>
+              <a:lstStyle/>
+              <a:p>
+                <a:r>
+                  <a:rPr lang="en-US">
+                    <a:noFill/>
+                  </a:rPr>
+                  <a:t> </a:t>
+                </a:r>
+              </a:p>
+            </p:txBody>
+          </p:sp>
+        </mc:Fallback>
+      </mc:AlternateContent>
+      <mc:AlternateContent xmlns:mc="http://schemas.openxmlformats.org/markup-compatibility/2006">
+        <mc:Choice xmlns:a14="http://schemas.microsoft.com/office/drawing/2010/main" Requires="a14">
+          <p:sp>
+            <p:nvSpPr>
+              <p:cNvPr id="34" name="矩形: 圆角 33">
+                <a:extLst>
+                  <a:ext uri="{FF2B5EF4-FFF2-40B4-BE49-F238E27FC236}">
+                    <a16:creationId xmlns:a16="http://schemas.microsoft.com/office/drawing/2014/main" id="{899004BF-270A-D0AC-1972-0E23FCA8908C}"/>
+                  </a:ext>
+                </a:extLst>
+              </p:cNvPr>
+              <p:cNvSpPr/>
+              <p:nvPr/>
+            </p:nvSpPr>
+            <p:spPr>
+              <a:xfrm>
+                <a:off x="5934076" y="5240837"/>
+                <a:ext cx="1409700" cy="809625"/>
+              </a:xfrm>
+              <a:prstGeom prst="roundRect">
+                <a:avLst/>
+              </a:prstGeom>
+              <a:noFill/>
+            </p:spPr>
+            <p:style>
+              <a:lnRef idx="2">
+                <a:schemeClr val="accent1">
+                  <a:shade val="15000"/>
+                </a:schemeClr>
+              </a:lnRef>
+              <a:fillRef idx="1">
+                <a:schemeClr val="accent1"/>
+              </a:fillRef>
+              <a:effectRef idx="0">
+                <a:schemeClr val="accent1"/>
+              </a:effectRef>
+              <a:fontRef idx="minor">
+                <a:schemeClr val="lt1"/>
+              </a:fontRef>
+            </p:style>
+            <p:txBody>
+              <a:bodyPr rtlCol="0" anchor="ctr"/>
+              <a:lstStyle/>
+              <a:p>
+                <a:pPr algn="ctr"/>
+                <a14:m>
+                  <m:oMathPara xmlns:m="http://schemas.openxmlformats.org/officeDocument/2006/math">
+                    <m:oMathParaPr>
+                      <m:jc m:val="centerGroup"/>
+                    </m:oMathParaPr>
+                    <m:oMath xmlns:m="http://schemas.openxmlformats.org/officeDocument/2006/math">
+                      <m:r>
+                        <a:rPr lang="en-US" i="1" dirty="0" smtClean="0">
+                          <a:solidFill>
+                            <a:schemeClr val="tx1"/>
+                          </a:solidFill>
+                          <a:latin typeface="Cambria Math" panose="02040503050406030204" pitchFamily="18" charset="0"/>
+                        </a:rPr>
+                        <m:t>𝐿𝑜𝑠</m:t>
+                      </m:r>
+                      <m:r>
+                        <a:rPr lang="en-US" i="1" dirty="0">
+                          <a:solidFill>
+                            <a:schemeClr val="tx1"/>
+                          </a:solidFill>
+                          <a:latin typeface="Cambria Math" panose="02040503050406030204" pitchFamily="18" charset="0"/>
+                        </a:rPr>
+                        <m:t>𝑠</m:t>
+                      </m:r>
+                    </m:oMath>
+                  </m:oMathPara>
+                </a14:m>
+                <a:endParaRPr lang="en-US" dirty="0">
+                  <a:solidFill>
+                    <a:schemeClr val="tx1"/>
+                  </a:solidFill>
+                </a:endParaRPr>
+              </a:p>
+            </p:txBody>
+          </p:sp>
+        </mc:Choice>
+        <mc:Fallback>
+          <p:sp>
+            <p:nvSpPr>
+              <p:cNvPr id="34" name="矩形: 圆角 33">
+                <a:extLst>
+                  <a:ext uri="{FF2B5EF4-FFF2-40B4-BE49-F238E27FC236}">
+                    <a16:creationId xmlns:a16="http://schemas.microsoft.com/office/drawing/2014/main" id="{899004BF-270A-D0AC-1972-0E23FCA8908C}"/>
+                  </a:ext>
+                </a:extLst>
+              </p:cNvPr>
+              <p:cNvSpPr>
+                <a:spLocks noRot="1" noChangeAspect="1" noMove="1" noResize="1" noEditPoints="1" noAdjustHandles="1" noChangeArrowheads="1" noChangeShapeType="1" noTextEdit="1"/>
+              </p:cNvSpPr>
+              <p:nvPr/>
+            </p:nvSpPr>
+            <p:spPr>
+              <a:xfrm>
+                <a:off x="5934076" y="5240837"/>
+                <a:ext cx="1409700" cy="809625"/>
+              </a:xfrm>
+              <a:prstGeom prst="roundRect">
+                <a:avLst/>
+              </a:prstGeom>
+              <a:blipFill>
+                <a:blip r:embed="rId14"/>
+                <a:stretch>
+                  <a:fillRect/>
+                </a:stretch>
+              </a:blipFill>
+            </p:spPr>
+            <p:txBody>
+              <a:bodyPr/>
+              <a:lstStyle/>
+              <a:p>
+                <a:r>
+                  <a:rPr lang="en-US">
+                    <a:noFill/>
+                  </a:rPr>
+                  <a:t> </a:t>
+                </a:r>
+              </a:p>
+            </p:txBody>
+          </p:sp>
+        </mc:Fallback>
+      </mc:AlternateContent>
+      <p:cxnSp>
+        <p:nvCxnSpPr>
+          <p:cNvPr id="36" name="直接箭头连接符 35">
+            <a:extLst>
+              <a:ext uri="{FF2B5EF4-FFF2-40B4-BE49-F238E27FC236}">
+                <a16:creationId xmlns:a16="http://schemas.microsoft.com/office/drawing/2014/main" id="{C3BE51C3-4A8D-BBA7-191A-9C0957DBB24D}"/>
+              </a:ext>
+            </a:extLst>
+          </p:cNvPr>
+          <p:cNvCxnSpPr>
+            <a:stCxn id="33" idx="3"/>
+            <a:endCxn id="34" idx="1"/>
+          </p:cNvCxnSpPr>
+          <p:nvPr/>
+        </p:nvCxnSpPr>
+        <p:spPr>
+          <a:xfrm>
+            <a:off x="4476751" y="5645650"/>
+            <a:ext cx="1457325" cy="0"/>
+          </a:xfrm>
+          <a:prstGeom prst="straightConnector1">
+            <a:avLst/>
+          </a:prstGeom>
+          <a:ln>
+            <a:tailEnd type="triangle"/>
+          </a:ln>
+        </p:spPr>
+        <p:style>
+          <a:lnRef idx="2">
+            <a:schemeClr val="accent1"/>
+          </a:lnRef>
+          <a:fillRef idx="0">
+            <a:schemeClr val="accent1"/>
+          </a:fillRef>
+          <a:effectRef idx="1">
+            <a:schemeClr val="accent1"/>
+          </a:effectRef>
+          <a:fontRef idx="minor">
+            <a:schemeClr val="tx1"/>
+          </a:fontRef>
+        </p:style>
+      </p:cxnSp>
+      <mc:AlternateContent xmlns:mc="http://schemas.openxmlformats.org/markup-compatibility/2006">
+        <mc:Choice xmlns:a14="http://schemas.microsoft.com/office/drawing/2010/main" Requires="a14">
+          <p:sp>
+            <p:nvSpPr>
+              <p:cNvPr id="37" name="文本框 36">
+                <a:extLst>
+                  <a:ext uri="{FF2B5EF4-FFF2-40B4-BE49-F238E27FC236}">
+                    <a16:creationId xmlns:a16="http://schemas.microsoft.com/office/drawing/2014/main" id="{2F235E94-25E1-F1C8-4D98-BE2B48797580}"/>
+                  </a:ext>
+                </a:extLst>
+              </p:cNvPr>
+              <p:cNvSpPr txBox="1"/>
+              <p:nvPr/>
+            </p:nvSpPr>
+            <p:spPr>
+              <a:xfrm>
+                <a:off x="4729163" y="5185172"/>
+                <a:ext cx="952500" cy="369332"/>
+              </a:xfrm>
+              <a:prstGeom prst="rect">
+                <a:avLst/>
+              </a:prstGeom>
+              <a:noFill/>
+            </p:spPr>
+            <p:txBody>
+              <a:bodyPr wrap="square" rtlCol="0">
+                <a:spAutoFit/>
+              </a:bodyPr>
+              <a:lstStyle/>
+              <a:p>
+                <a14:m>
+                  <m:oMathPara xmlns:m="http://schemas.openxmlformats.org/officeDocument/2006/math">
+                    <m:oMathParaPr>
+                      <m:jc m:val="centerGroup"/>
+                    </m:oMathParaPr>
+                    <m:oMath xmlns:m="http://schemas.openxmlformats.org/officeDocument/2006/math">
+                      <m:r>
+                        <a:rPr lang="en-US" b="0" i="1" smtClean="0">
+                          <a:latin typeface="Cambria Math" panose="02040503050406030204" pitchFamily="18" charset="0"/>
+                        </a:rPr>
+                        <m:t>𝑓</m:t>
+                      </m:r>
+                    </m:oMath>
+                  </m:oMathPara>
+                </a14:m>
+                <a:endParaRPr lang="en-US" dirty="0"/>
+              </a:p>
+            </p:txBody>
+          </p:sp>
+        </mc:Choice>
+        <mc:Fallback>
+          <p:sp>
+            <p:nvSpPr>
+              <p:cNvPr id="37" name="文本框 36">
+                <a:extLst>
+                  <a:ext uri="{FF2B5EF4-FFF2-40B4-BE49-F238E27FC236}">
+                    <a16:creationId xmlns:a16="http://schemas.microsoft.com/office/drawing/2014/main" id="{2F235E94-25E1-F1C8-4D98-BE2B48797580}"/>
+                  </a:ext>
+                </a:extLst>
+              </p:cNvPr>
+              <p:cNvSpPr txBox="1">
+                <a:spLocks noRot="1" noChangeAspect="1" noMove="1" noResize="1" noEditPoints="1" noAdjustHandles="1" noChangeArrowheads="1" noChangeShapeType="1" noTextEdit="1"/>
+              </p:cNvSpPr>
+              <p:nvPr/>
+            </p:nvSpPr>
+            <p:spPr>
+              <a:xfrm>
+                <a:off x="4729163" y="5185172"/>
+                <a:ext cx="952500" cy="369332"/>
+              </a:xfrm>
+              <a:prstGeom prst="rect">
+                <a:avLst/>
+              </a:prstGeom>
+              <a:blipFill>
+                <a:blip r:embed="rId15"/>
+                <a:stretch>
+                  <a:fillRect b="-13333"/>
+                </a:stretch>
+              </a:blipFill>
+            </p:spPr>
+            <p:txBody>
+              <a:bodyPr/>
+              <a:lstStyle/>
+              <a:p>
+                <a:r>
+                  <a:rPr lang="en-US">
+                    <a:noFill/>
+                  </a:rPr>
+                  <a:t> </a:t>
+                </a:r>
+              </a:p>
+            </p:txBody>
+          </p:sp>
+        </mc:Fallback>
+      </mc:AlternateContent>
+      <mc:AlternateContent xmlns:mc="http://schemas.openxmlformats.org/markup-compatibility/2006">
+        <mc:Choice xmlns:a14="http://schemas.microsoft.com/office/drawing/2010/main" Requires="a14">
+          <p:sp>
+            <p:nvSpPr>
+              <p:cNvPr id="40" name="矩形: 圆角 39">
+                <a:extLst>
+                  <a:ext uri="{FF2B5EF4-FFF2-40B4-BE49-F238E27FC236}">
+                    <a16:creationId xmlns:a16="http://schemas.microsoft.com/office/drawing/2014/main" id="{5057B228-21CB-A71E-04C1-A9732174AFD4}"/>
+                  </a:ext>
+                </a:extLst>
+              </p:cNvPr>
+              <p:cNvSpPr/>
+              <p:nvPr/>
+            </p:nvSpPr>
+            <p:spPr>
+              <a:xfrm>
+                <a:off x="8901112" y="4655821"/>
+                <a:ext cx="1409700" cy="809625"/>
+              </a:xfrm>
+              <a:prstGeom prst="roundRect">
+                <a:avLst/>
+              </a:prstGeom>
+              <a:noFill/>
+            </p:spPr>
+            <p:style>
+              <a:lnRef idx="2">
+                <a:schemeClr val="accent1">
+                  <a:shade val="15000"/>
+                </a:schemeClr>
+              </a:lnRef>
+              <a:fillRef idx="1">
+                <a:schemeClr val="accent1"/>
+              </a:fillRef>
+              <a:effectRef idx="0">
+                <a:schemeClr val="accent1"/>
+              </a:effectRef>
+              <a:fontRef idx="minor">
+                <a:schemeClr val="lt1"/>
+              </a:fontRef>
+            </p:style>
+            <p:txBody>
+              <a:bodyPr rtlCol="0" anchor="ctr"/>
+              <a:lstStyle/>
+              <a:p>
+                <a:pPr algn="ctr"/>
+                <a14:m>
+                  <m:oMathPara xmlns:m="http://schemas.openxmlformats.org/officeDocument/2006/math">
+                    <m:oMathParaPr>
+                      <m:jc m:val="centerGroup"/>
+                    </m:oMathParaPr>
+                    <m:oMath xmlns:m="http://schemas.openxmlformats.org/officeDocument/2006/math">
+                      <m:r>
+                        <a:rPr lang="en-US" i="1" dirty="0" smtClean="0">
+                          <a:solidFill>
+                            <a:schemeClr val="tx1"/>
+                          </a:solidFill>
+                          <a:latin typeface="Cambria Math" panose="02040503050406030204" pitchFamily="18" charset="0"/>
+                        </a:rPr>
+                        <m:t>𝑋</m:t>
+                      </m:r>
+                      <m:r>
+                        <a:rPr lang="en-US" i="1" dirty="0" smtClean="0">
+                          <a:solidFill>
+                            <a:schemeClr val="tx1"/>
+                          </a:solidFill>
+                          <a:latin typeface="Cambria Math" panose="02040503050406030204" pitchFamily="18" charset="0"/>
+                        </a:rPr>
+                        <m:t>’</m:t>
+                      </m:r>
+                    </m:oMath>
+                  </m:oMathPara>
+                </a14:m>
+                <a:endParaRPr lang="en-US" dirty="0">
+                  <a:solidFill>
+                    <a:schemeClr val="tx1"/>
+                  </a:solidFill>
+                </a:endParaRPr>
+              </a:p>
+            </p:txBody>
+          </p:sp>
+        </mc:Choice>
+        <mc:Fallback>
+          <p:sp>
+            <p:nvSpPr>
+              <p:cNvPr id="40" name="矩形: 圆角 39">
+                <a:extLst>
+                  <a:ext uri="{FF2B5EF4-FFF2-40B4-BE49-F238E27FC236}">
+                    <a16:creationId xmlns:a16="http://schemas.microsoft.com/office/drawing/2014/main" id="{5057B228-21CB-A71E-04C1-A9732174AFD4}"/>
+                  </a:ext>
+                </a:extLst>
+              </p:cNvPr>
+              <p:cNvSpPr>
+                <a:spLocks noRot="1" noChangeAspect="1" noMove="1" noResize="1" noEditPoints="1" noAdjustHandles="1" noChangeArrowheads="1" noChangeShapeType="1" noTextEdit="1"/>
+              </p:cNvSpPr>
+              <p:nvPr/>
+            </p:nvSpPr>
+            <p:spPr>
+              <a:xfrm>
+                <a:off x="8901112" y="4655821"/>
+                <a:ext cx="1409700" cy="809625"/>
+              </a:xfrm>
+              <a:prstGeom prst="roundRect">
+                <a:avLst/>
+              </a:prstGeom>
+              <a:blipFill>
+                <a:blip r:embed="rId16"/>
+                <a:stretch>
+                  <a:fillRect/>
+                </a:stretch>
+              </a:blipFill>
+            </p:spPr>
+            <p:txBody>
+              <a:bodyPr/>
+              <a:lstStyle/>
+              <a:p>
+                <a:r>
+                  <a:rPr lang="en-US">
+                    <a:noFill/>
+                  </a:rPr>
+                  <a:t> </a:t>
+                </a:r>
+              </a:p>
+            </p:txBody>
+          </p:sp>
+        </mc:Fallback>
+      </mc:AlternateContent>
+      <p:cxnSp>
+        <p:nvCxnSpPr>
+          <p:cNvPr id="42" name="直接箭头连接符 41">
+            <a:extLst>
+              <a:ext uri="{FF2B5EF4-FFF2-40B4-BE49-F238E27FC236}">
+                <a16:creationId xmlns:a16="http://schemas.microsoft.com/office/drawing/2014/main" id="{50BD6F2E-09F8-DF39-AEA8-0C254386AD8B}"/>
+              </a:ext>
+            </a:extLst>
+          </p:cNvPr>
+          <p:cNvCxnSpPr>
+            <a:stCxn id="34" idx="3"/>
+            <a:endCxn id="40" idx="1"/>
+          </p:cNvCxnSpPr>
+          <p:nvPr/>
+        </p:nvCxnSpPr>
+        <p:spPr>
+          <a:xfrm flipV="1">
+            <a:off x="7343776" y="5060634"/>
+            <a:ext cx="1557336" cy="585016"/>
+          </a:xfrm>
+          <a:prstGeom prst="straightConnector1">
+            <a:avLst/>
+          </a:prstGeom>
+          <a:ln>
+            <a:tailEnd type="triangle"/>
+          </a:ln>
+        </p:spPr>
+        <p:style>
+          <a:lnRef idx="2">
+            <a:schemeClr val="accent1"/>
+          </a:lnRef>
+          <a:fillRef idx="0">
+            <a:schemeClr val="accent1"/>
+          </a:fillRef>
+          <a:effectRef idx="1">
+            <a:schemeClr val="accent1"/>
+          </a:effectRef>
+          <a:fontRef idx="minor">
+            <a:schemeClr val="tx1"/>
+          </a:fontRef>
+        </p:style>
+      </p:cxnSp>
+      <mc:AlternateContent xmlns:mc="http://schemas.openxmlformats.org/markup-compatibility/2006">
+        <mc:Choice xmlns:a14="http://schemas.microsoft.com/office/drawing/2010/main" Requires="a14">
+          <p:sp>
+            <p:nvSpPr>
+              <p:cNvPr id="43" name="文本框 42">
+                <a:extLst>
+                  <a:ext uri="{FF2B5EF4-FFF2-40B4-BE49-F238E27FC236}">
+                    <a16:creationId xmlns:a16="http://schemas.microsoft.com/office/drawing/2014/main" id="{53565897-75B5-F8D4-52F4-47C350F202DD}"/>
+                  </a:ext>
+                </a:extLst>
+              </p:cNvPr>
+              <p:cNvSpPr txBox="1"/>
+              <p:nvPr/>
+            </p:nvSpPr>
+            <p:spPr>
+              <a:xfrm>
+                <a:off x="7467599" y="4940440"/>
+                <a:ext cx="952500" cy="369332"/>
+              </a:xfrm>
+              <a:prstGeom prst="rect">
+                <a:avLst/>
+              </a:prstGeom>
+              <a:noFill/>
+            </p:spPr>
+            <p:txBody>
+              <a:bodyPr wrap="square" rtlCol="0">
+                <a:spAutoFit/>
+              </a:bodyPr>
+              <a:lstStyle/>
+              <a:p>
+                <a14:m>
+                  <m:oMathPara xmlns:m="http://schemas.openxmlformats.org/officeDocument/2006/math">
+                    <m:oMathParaPr>
+                      <m:jc m:val="centerGroup"/>
+                    </m:oMathParaPr>
+                    <m:oMath xmlns:m="http://schemas.openxmlformats.org/officeDocument/2006/math">
+                      <m:r>
+                        <m:rPr>
+                          <m:sty m:val="p"/>
+                        </m:rPr>
+                        <a:rPr lang="en-US" b="0" i="0" smtClean="0">
+                          <a:latin typeface="Cambria Math" panose="02040503050406030204" pitchFamily="18" charset="0"/>
+                        </a:rPr>
+                        <m:t>∇</m:t>
+                      </m:r>
+                      <m:sSub>
+                        <m:sSubPr>
+                          <m:ctrlPr>
+                            <a:rPr lang="en-US" b="0" i="1" smtClean="0">
+                              <a:latin typeface="Cambria Math" panose="02040503050406030204" pitchFamily="18" charset="0"/>
+                            </a:rPr>
+                          </m:ctrlPr>
+                        </m:sSubPr>
+                        <m:e>
+                          <m:r>
+                            <a:rPr lang="en-US" b="0" i="1" smtClean="0">
+                              <a:latin typeface="Cambria Math" panose="02040503050406030204" pitchFamily="18" charset="0"/>
+                            </a:rPr>
+                            <m:t>𝑓</m:t>
+                          </m:r>
+                        </m:e>
+                        <m:sub>
+                          <m:r>
+                            <a:rPr lang="en-US" b="0" i="1" smtClean="0">
+                              <a:latin typeface="Cambria Math" panose="02040503050406030204" pitchFamily="18" charset="0"/>
+                            </a:rPr>
+                            <m:t>𝑥</m:t>
+                          </m:r>
+                        </m:sub>
+                      </m:sSub>
+                    </m:oMath>
+                  </m:oMathPara>
+                </a14:m>
+                <a:endParaRPr lang="en-US" dirty="0"/>
+              </a:p>
+            </p:txBody>
+          </p:sp>
+        </mc:Choice>
+        <mc:Fallback>
+          <p:sp>
+            <p:nvSpPr>
+              <p:cNvPr id="43" name="文本框 42">
+                <a:extLst>
+                  <a:ext uri="{FF2B5EF4-FFF2-40B4-BE49-F238E27FC236}">
+                    <a16:creationId xmlns:a16="http://schemas.microsoft.com/office/drawing/2014/main" id="{53565897-75B5-F8D4-52F4-47C350F202DD}"/>
+                  </a:ext>
+                </a:extLst>
+              </p:cNvPr>
+              <p:cNvSpPr txBox="1">
+                <a:spLocks noRot="1" noChangeAspect="1" noMove="1" noResize="1" noEditPoints="1" noAdjustHandles="1" noChangeArrowheads="1" noChangeShapeType="1" noTextEdit="1"/>
+              </p:cNvSpPr>
+              <p:nvPr/>
+            </p:nvSpPr>
+            <p:spPr>
+              <a:xfrm>
+                <a:off x="7467599" y="4940440"/>
+                <a:ext cx="952500" cy="369332"/>
+              </a:xfrm>
+              <a:prstGeom prst="rect">
+                <a:avLst/>
+              </a:prstGeom>
+              <a:blipFill>
+                <a:blip r:embed="rId17"/>
+                <a:stretch>
+                  <a:fillRect b="-13115"/>
+                </a:stretch>
+              </a:blipFill>
+            </p:spPr>
+            <p:txBody>
+              <a:bodyPr/>
+              <a:lstStyle/>
+              <a:p>
+                <a:r>
+                  <a:rPr lang="en-US">
+                    <a:noFill/>
+                  </a:rPr>
+                  <a:t> </a:t>
+                </a:r>
+              </a:p>
+            </p:txBody>
+          </p:sp>
+        </mc:Fallback>
+      </mc:AlternateContent>
+      <mc:AlternateContent xmlns:mc="http://schemas.openxmlformats.org/markup-compatibility/2006">
+        <mc:Choice xmlns:a14="http://schemas.microsoft.com/office/drawing/2010/main" Requires="a14">
+          <p:sp>
+            <p:nvSpPr>
+              <p:cNvPr id="45" name="矩形: 圆角 44">
+                <a:extLst>
+                  <a:ext uri="{FF2B5EF4-FFF2-40B4-BE49-F238E27FC236}">
+                    <a16:creationId xmlns:a16="http://schemas.microsoft.com/office/drawing/2014/main" id="{41EE89BC-5E60-D8D2-6C2D-9A05F76636FC}"/>
+                  </a:ext>
+                </a:extLst>
+              </p:cNvPr>
+              <p:cNvSpPr/>
+              <p:nvPr/>
+            </p:nvSpPr>
+            <p:spPr>
+              <a:xfrm>
+                <a:off x="8891588" y="5678215"/>
+                <a:ext cx="1409700" cy="809625"/>
+              </a:xfrm>
+              <a:prstGeom prst="roundRect">
+                <a:avLst/>
+              </a:prstGeom>
+              <a:noFill/>
+            </p:spPr>
+            <p:style>
+              <a:lnRef idx="2">
+                <a:schemeClr val="accent1">
+                  <a:shade val="15000"/>
+                </a:schemeClr>
+              </a:lnRef>
+              <a:fillRef idx="1">
+                <a:schemeClr val="accent1"/>
+              </a:fillRef>
+              <a:effectRef idx="0">
+                <a:schemeClr val="accent1"/>
+              </a:effectRef>
+              <a:fontRef idx="minor">
+                <a:schemeClr val="lt1"/>
+              </a:fontRef>
+            </p:style>
+            <p:txBody>
+              <a:bodyPr rtlCol="0" anchor="ctr"/>
+              <a:lstStyle/>
+              <a:p>
+                <a:pPr algn="ctr"/>
+                <a14:m>
+                  <m:oMathPara xmlns:m="http://schemas.openxmlformats.org/officeDocument/2006/math">
+                    <m:oMathParaPr>
+                      <m:jc m:val="centerGroup"/>
+                    </m:oMathParaPr>
+                    <m:oMath xmlns:m="http://schemas.openxmlformats.org/officeDocument/2006/math">
+                      <m:r>
+                        <a:rPr lang="en-US" b="0" i="1" dirty="0" smtClean="0">
+                          <a:solidFill>
+                            <a:schemeClr val="tx1"/>
+                          </a:solidFill>
+                          <a:latin typeface="Cambria Math" panose="02040503050406030204" pitchFamily="18" charset="0"/>
+                        </a:rPr>
+                        <m:t>𝑓</m:t>
+                      </m:r>
+                      <m:r>
+                        <a:rPr lang="en-US" i="1" dirty="0" smtClean="0">
+                          <a:solidFill>
+                            <a:schemeClr val="tx1"/>
+                          </a:solidFill>
+                          <a:latin typeface="Cambria Math" panose="02040503050406030204" pitchFamily="18" charset="0"/>
+                        </a:rPr>
+                        <m:t>’</m:t>
+                      </m:r>
+                    </m:oMath>
+                  </m:oMathPara>
+                </a14:m>
+                <a:endParaRPr lang="en-US" dirty="0">
+                  <a:solidFill>
+                    <a:schemeClr val="tx1"/>
+                  </a:solidFill>
+                </a:endParaRPr>
+              </a:p>
+            </p:txBody>
+          </p:sp>
+        </mc:Choice>
+        <mc:Fallback>
+          <p:sp>
+            <p:nvSpPr>
+              <p:cNvPr id="45" name="矩形: 圆角 44">
+                <a:extLst>
+                  <a:ext uri="{FF2B5EF4-FFF2-40B4-BE49-F238E27FC236}">
+                    <a16:creationId xmlns:a16="http://schemas.microsoft.com/office/drawing/2014/main" id="{41EE89BC-5E60-D8D2-6C2D-9A05F76636FC}"/>
+                  </a:ext>
+                </a:extLst>
+              </p:cNvPr>
+              <p:cNvSpPr>
+                <a:spLocks noRot="1" noChangeAspect="1" noMove="1" noResize="1" noEditPoints="1" noAdjustHandles="1" noChangeArrowheads="1" noChangeShapeType="1" noTextEdit="1"/>
+              </p:cNvSpPr>
+              <p:nvPr/>
+            </p:nvSpPr>
+            <p:spPr>
+              <a:xfrm>
+                <a:off x="8891588" y="5678215"/>
+                <a:ext cx="1409700" cy="809625"/>
+              </a:xfrm>
+              <a:prstGeom prst="roundRect">
+                <a:avLst/>
+              </a:prstGeom>
+              <a:blipFill>
+                <a:blip r:embed="rId18"/>
+                <a:stretch>
+                  <a:fillRect/>
+                </a:stretch>
+              </a:blipFill>
+            </p:spPr>
+            <p:txBody>
+              <a:bodyPr/>
+              <a:lstStyle/>
+              <a:p>
+                <a:r>
+                  <a:rPr lang="en-US">
+                    <a:noFill/>
+                  </a:rPr>
+                  <a:t> </a:t>
+                </a:r>
+              </a:p>
+            </p:txBody>
+          </p:sp>
+        </mc:Fallback>
+      </mc:AlternateContent>
+      <p:cxnSp>
+        <p:nvCxnSpPr>
+          <p:cNvPr id="47" name="直接箭头连接符 46">
+            <a:extLst>
+              <a:ext uri="{FF2B5EF4-FFF2-40B4-BE49-F238E27FC236}">
+                <a16:creationId xmlns:a16="http://schemas.microsoft.com/office/drawing/2014/main" id="{258A0E88-80FD-00EB-10E8-FF3C88B4D943}"/>
+              </a:ext>
+            </a:extLst>
+          </p:cNvPr>
+          <p:cNvCxnSpPr>
+            <a:stCxn id="34" idx="3"/>
+            <a:endCxn id="45" idx="1"/>
+          </p:cNvCxnSpPr>
+          <p:nvPr/>
+        </p:nvCxnSpPr>
+        <p:spPr>
+          <a:xfrm>
+            <a:off x="7343776" y="5645650"/>
+            <a:ext cx="1547812" cy="437378"/>
+          </a:xfrm>
+          <a:prstGeom prst="straightConnector1">
+            <a:avLst/>
+          </a:prstGeom>
+          <a:ln>
+            <a:tailEnd type="triangle"/>
+          </a:ln>
+        </p:spPr>
+        <p:style>
+          <a:lnRef idx="2">
+            <a:schemeClr val="accent1"/>
+          </a:lnRef>
+          <a:fillRef idx="0">
+            <a:schemeClr val="accent1"/>
+          </a:fillRef>
+          <a:effectRef idx="1">
+            <a:schemeClr val="accent1"/>
+          </a:effectRef>
+          <a:fontRef idx="minor">
+            <a:schemeClr val="tx1"/>
+          </a:fontRef>
+        </p:style>
+      </p:cxnSp>
+      <mc:AlternateContent xmlns:mc="http://schemas.openxmlformats.org/markup-compatibility/2006">
+        <mc:Choice xmlns:a14="http://schemas.microsoft.com/office/drawing/2010/main" Requires="a14">
+          <p:sp>
+            <p:nvSpPr>
+              <p:cNvPr id="48" name="文本框 47">
+                <a:extLst>
+                  <a:ext uri="{FF2B5EF4-FFF2-40B4-BE49-F238E27FC236}">
+                    <a16:creationId xmlns:a16="http://schemas.microsoft.com/office/drawing/2014/main" id="{4540B079-5453-5D26-DAB4-62760FFAD290}"/>
+                  </a:ext>
+                </a:extLst>
+              </p:cNvPr>
+              <p:cNvSpPr txBox="1"/>
+              <p:nvPr/>
+            </p:nvSpPr>
+            <p:spPr>
+              <a:xfrm>
+                <a:off x="7665244" y="5493549"/>
+                <a:ext cx="952500" cy="369332"/>
+              </a:xfrm>
+              <a:prstGeom prst="rect">
+                <a:avLst/>
+              </a:prstGeom>
+              <a:noFill/>
+            </p:spPr>
+            <p:txBody>
+              <a:bodyPr wrap="square" rtlCol="0">
+                <a:spAutoFit/>
+              </a:bodyPr>
+              <a:lstStyle/>
+              <a:p>
+                <a14:m>
+                  <m:oMathPara xmlns:m="http://schemas.openxmlformats.org/officeDocument/2006/math">
+                    <m:oMathParaPr>
+                      <m:jc m:val="centerGroup"/>
+                    </m:oMathParaPr>
+                    <m:oMath xmlns:m="http://schemas.openxmlformats.org/officeDocument/2006/math">
+                      <m:r>
+                        <m:rPr>
+                          <m:sty m:val="p"/>
+                        </m:rPr>
+                        <a:rPr lang="en-US" b="0" i="0" smtClean="0">
+                          <a:latin typeface="Cambria Math" panose="02040503050406030204" pitchFamily="18" charset="0"/>
+                        </a:rPr>
+                        <m:t>∇</m:t>
+                      </m:r>
+                      <m:sSub>
+                        <m:sSubPr>
+                          <m:ctrlPr>
+                            <a:rPr lang="en-US" b="0" i="1" smtClean="0">
+                              <a:latin typeface="Cambria Math" panose="02040503050406030204" pitchFamily="18" charset="0"/>
+                            </a:rPr>
+                          </m:ctrlPr>
+                        </m:sSubPr>
+                        <m:e>
+                          <m:r>
+                            <a:rPr lang="en-US" b="0" i="1" smtClean="0">
+                              <a:latin typeface="Cambria Math" panose="02040503050406030204" pitchFamily="18" charset="0"/>
+                            </a:rPr>
+                            <m:t>𝑓</m:t>
+                          </m:r>
+                        </m:e>
+                        <m:sub>
+                          <m:r>
+                            <a:rPr lang="en-US" b="0" i="1" smtClean="0">
+                              <a:latin typeface="Cambria Math" panose="02040503050406030204" pitchFamily="18" charset="0"/>
+                            </a:rPr>
+                            <m:t>𝜃</m:t>
+                          </m:r>
+                        </m:sub>
+                      </m:sSub>
+                    </m:oMath>
+                  </m:oMathPara>
+                </a14:m>
+                <a:endParaRPr lang="en-US" dirty="0"/>
+              </a:p>
+            </p:txBody>
+          </p:sp>
+        </mc:Choice>
+        <mc:Fallback>
+          <p:sp>
+            <p:nvSpPr>
+              <p:cNvPr id="48" name="文本框 47">
+                <a:extLst>
+                  <a:ext uri="{FF2B5EF4-FFF2-40B4-BE49-F238E27FC236}">
+                    <a16:creationId xmlns:a16="http://schemas.microsoft.com/office/drawing/2014/main" id="{4540B079-5453-5D26-DAB4-62760FFAD290}"/>
+                  </a:ext>
+                </a:extLst>
+              </p:cNvPr>
+              <p:cNvSpPr txBox="1">
+                <a:spLocks noRot="1" noChangeAspect="1" noMove="1" noResize="1" noEditPoints="1" noAdjustHandles="1" noChangeArrowheads="1" noChangeShapeType="1" noTextEdit="1"/>
+              </p:cNvSpPr>
+              <p:nvPr/>
+            </p:nvSpPr>
+            <p:spPr>
+              <a:xfrm>
+                <a:off x="7665244" y="5493549"/>
+                <a:ext cx="952500" cy="369332"/>
+              </a:xfrm>
+              <a:prstGeom prst="rect">
+                <a:avLst/>
+              </a:prstGeom>
+              <a:blipFill>
+                <a:blip r:embed="rId19"/>
+                <a:stretch>
+                  <a:fillRect b="-13115"/>
+                </a:stretch>
+              </a:blipFill>
+            </p:spPr>
+            <p:txBody>
+              <a:bodyPr/>
+              <a:lstStyle/>
+              <a:p>
+                <a:r>
+                  <a:rPr lang="en-US">
+                    <a:noFill/>
+                  </a:rPr>
+                  <a:t> </a:t>
+                </a:r>
+              </a:p>
+            </p:txBody>
+          </p:sp>
+        </mc:Fallback>
+      </mc:AlternateContent>
+      <p:sp>
+        <p:nvSpPr>
+          <p:cNvPr id="49" name="文本框 48">
+            <a:extLst>
+              <a:ext uri="{FF2B5EF4-FFF2-40B4-BE49-F238E27FC236}">
+                <a16:creationId xmlns:a16="http://schemas.microsoft.com/office/drawing/2014/main" id="{4E6D3B15-0775-A362-F9CF-D32FECF03166}"/>
+              </a:ext>
+            </a:extLst>
+          </p:cNvPr>
+          <p:cNvSpPr txBox="1"/>
+          <p:nvPr/>
+        </p:nvSpPr>
+        <p:spPr>
+          <a:xfrm>
+            <a:off x="1000125" y="657221"/>
+            <a:ext cx="1409700" cy="369332"/>
+          </a:xfrm>
+          <a:prstGeom prst="rect">
+            <a:avLst/>
+          </a:prstGeom>
+          <a:noFill/>
+        </p:spPr>
+        <p:txBody>
+          <a:bodyPr wrap="square" rtlCol="0">
+            <a:spAutoFit/>
+          </a:bodyPr>
+          <a:lstStyle/>
+          <a:p>
+            <a:r>
+              <a:rPr lang="en-US" dirty="0"/>
+              <a:t>PGD</a:t>
+            </a:r>
+          </a:p>
+        </p:txBody>
+      </p:sp>
+      <p:sp>
+        <p:nvSpPr>
+          <p:cNvPr id="50" name="文本框 49">
+            <a:extLst>
+              <a:ext uri="{FF2B5EF4-FFF2-40B4-BE49-F238E27FC236}">
+                <a16:creationId xmlns:a16="http://schemas.microsoft.com/office/drawing/2014/main" id="{1F8A19DB-FFEC-B3AA-1898-308EE05F4A76}"/>
+              </a:ext>
+            </a:extLst>
+          </p:cNvPr>
+          <p:cNvSpPr txBox="1"/>
+          <p:nvPr/>
+        </p:nvSpPr>
+        <p:spPr>
+          <a:xfrm>
+            <a:off x="1104900" y="4791075"/>
+            <a:ext cx="952500" cy="369332"/>
+          </a:xfrm>
+          <a:prstGeom prst="rect">
+            <a:avLst/>
+          </a:prstGeom>
+          <a:noFill/>
+        </p:spPr>
+        <p:txBody>
+          <a:bodyPr wrap="square" rtlCol="0">
+            <a:spAutoFit/>
+          </a:bodyPr>
+          <a:lstStyle/>
+          <a:p>
+            <a:r>
+              <a:rPr lang="en-US" dirty="0"/>
+              <a:t>FREE</a:t>
+            </a:r>
+          </a:p>
+        </p:txBody>
+      </p:sp>
+    </p:spTree>
+    <p:extLst>
+      <p:ext uri="{BB962C8B-B14F-4D97-AF65-F5344CB8AC3E}">
+        <p14:creationId xmlns:p14="http://schemas.microsoft.com/office/powerpoint/2010/main" val="4193404158"/>
+      </p:ext>
+    </p:extLst>
+  </p:cSld>
+  <p:clrMapOvr>
+    <a:masterClrMapping/>
+  </p:clrMapOvr>
+</p:sld>
+</file>
+
+<file path=ppt/slides/slide13.xml><?xml version="1.0" encoding="utf-8"?>
+<p:sld xmlns:a="http://schemas.openxmlformats.org/drawingml/2006/main" xmlns:r="http://schemas.openxmlformats.org/officeDocument/2006/relationships" xmlns:p="http://schemas.openxmlformats.org/presentationml/2006/main">
+  <p:cSld>
+    <p:spTree>
+      <p:nvGrpSpPr>
+        <p:cNvPr id="1" name=""/>
+        <p:cNvGrpSpPr/>
+        <p:nvPr/>
+      </p:nvGrpSpPr>
+      <p:grpSpPr>
+        <a:xfrm>
+          <a:off x="0" y="0"/>
+          <a:ext cx="0" cy="0"/>
+          <a:chOff x="0" y="0"/>
+          <a:chExt cx="0" cy="0"/>
+        </a:xfrm>
+      </p:grpSpPr>
+      <p:sp>
+        <p:nvSpPr>
+          <p:cNvPr id="2" name="标题 1">
+            <a:extLst>
+              <a:ext uri="{FF2B5EF4-FFF2-40B4-BE49-F238E27FC236}">
+                <a16:creationId xmlns:a16="http://schemas.microsoft.com/office/drawing/2014/main" id="{24477FF2-BFD2-488A-58D3-374D842EF057}"/>
+              </a:ext>
+            </a:extLst>
+          </p:cNvPr>
+          <p:cNvSpPr>
+            <a:spLocks noGrp="1"/>
+          </p:cNvSpPr>
+          <p:nvPr>
+            <p:ph type="title"/>
+          </p:nvPr>
+        </p:nvSpPr>
+        <p:spPr/>
+        <p:txBody>
+          <a:bodyPr/>
+          <a:lstStyle/>
+          <a:p>
+            <a:endParaRPr lang="en-US" dirty="0"/>
+          </a:p>
+        </p:txBody>
+      </p:sp>
+      <p:pic>
+        <p:nvPicPr>
+          <p:cNvPr id="5" name="内容占位符 4">
+            <a:extLst>
+              <a:ext uri="{FF2B5EF4-FFF2-40B4-BE49-F238E27FC236}">
+                <a16:creationId xmlns:a16="http://schemas.microsoft.com/office/drawing/2014/main" id="{75478AC5-A9D4-4037-CD61-5FB07E045F0D}"/>
+              </a:ext>
+            </a:extLst>
+          </p:cNvPr>
+          <p:cNvPicPr>
+            <a:picLocks noGrp="1" noChangeAspect="1"/>
+          </p:cNvPicPr>
+          <p:nvPr>
+            <p:ph idx="1"/>
+          </p:nvPr>
+        </p:nvPicPr>
+        <p:blipFill>
+          <a:blip r:embed="rId2"/>
+          <a:stretch>
+            <a:fillRect/>
+          </a:stretch>
+        </p:blipFill>
+        <p:spPr>
+          <a:xfrm>
+            <a:off x="2566987" y="2124075"/>
+            <a:ext cx="4295775" cy="1304925"/>
+          </a:xfrm>
+        </p:spPr>
+      </p:pic>
+      <mc:AlternateContent xmlns:mc="http://schemas.openxmlformats.org/markup-compatibility/2006">
+        <mc:Choice xmlns:a14="http://schemas.microsoft.com/office/drawing/2010/main" Requires="a14">
+          <p:sp>
+            <p:nvSpPr>
+              <p:cNvPr id="6" name="文本框 5">
+                <a:extLst>
+                  <a:ext uri="{FF2B5EF4-FFF2-40B4-BE49-F238E27FC236}">
+                    <a16:creationId xmlns:a16="http://schemas.microsoft.com/office/drawing/2014/main" id="{CF31DF3C-D98B-EDC5-2C36-81668114DFFE}"/>
+                  </a:ext>
+                </a:extLst>
+              </p:cNvPr>
+              <p:cNvSpPr txBox="1"/>
+              <p:nvPr/>
+            </p:nvSpPr>
+            <p:spPr>
+              <a:xfrm>
+                <a:off x="2695574" y="3705224"/>
+                <a:ext cx="4048125" cy="2031325"/>
+              </a:xfrm>
+              <a:prstGeom prst="rect">
+                <a:avLst/>
+              </a:prstGeom>
+              <a:noFill/>
+            </p:spPr>
+            <p:txBody>
+              <a:bodyPr wrap="square" rtlCol="0">
+                <a:spAutoFit/>
+              </a:bodyPr>
+              <a:lstStyle/>
+              <a:p>
+                <a:r>
+                  <a:rPr lang="en-US" dirty="0"/>
+                  <a:t>Maintenance of </a:t>
+                </a:r>
+                <a14:m>
+                  <m:oMath xmlns:m="http://schemas.openxmlformats.org/officeDocument/2006/math">
+                    <m:r>
+                      <a:rPr lang="en-US" b="0" i="1" smtClean="0">
+                        <a:latin typeface="Cambria Math" panose="02040503050406030204" pitchFamily="18" charset="0"/>
+                      </a:rPr>
+                      <m:t>𝛿</m:t>
+                    </m:r>
+                  </m:oMath>
+                </a14:m>
+                <a:endParaRPr lang="en-US" dirty="0"/>
+              </a:p>
+              <a:p>
+                <a:r>
+                  <a:rPr lang="en-US" dirty="0"/>
+                  <a:t>Momentum (Cumulated sum)</a:t>
+                </a:r>
+              </a:p>
+              <a:p>
+                <a:r>
+                  <a:rPr lang="en-US" dirty="0"/>
+                  <a:t>Noise prediction </a:t>
+                </a:r>
+              </a:p>
+              <a:p>
+                <a:endParaRPr lang="en-US" dirty="0"/>
+              </a:p>
+              <a:p>
+                <a:r>
+                  <a:rPr lang="en-US" b="0" dirty="0"/>
+                  <a:t> </a:t>
+                </a:r>
+                <a14:m>
+                  <m:oMath xmlns:m="http://schemas.openxmlformats.org/officeDocument/2006/math">
+                    <m:r>
+                      <a:rPr lang="en-US" b="0" i="1" smtClean="0">
+                        <a:latin typeface="Cambria Math" panose="02040503050406030204" pitchFamily="18" charset="0"/>
+                      </a:rPr>
+                      <m:t>𝜖</m:t>
+                    </m:r>
+                    <m:r>
+                      <a:rPr lang="en-US" b="0" i="1" smtClean="0">
+                        <a:latin typeface="Cambria Math" panose="02040503050406030204" pitchFamily="18" charset="0"/>
+                      </a:rPr>
+                      <m:t>−</m:t>
+                    </m:r>
+                    <m:r>
+                      <a:rPr lang="en-US" b="0" i="1" smtClean="0">
+                        <a:latin typeface="Cambria Math" panose="02040503050406030204" pitchFamily="18" charset="0"/>
+                      </a:rPr>
+                      <m:t>𝑏𝑎𝑙𝑙</m:t>
+                    </m:r>
+                  </m:oMath>
+                </a14:m>
+                <a:endParaRPr lang="en-US" dirty="0"/>
+              </a:p>
+              <a:p>
+                <a:r>
+                  <a:rPr lang="en-US" dirty="0"/>
+                  <a:t>Limitation of summation </a:t>
+                </a:r>
+              </a:p>
+              <a:p>
+                <a:r>
+                  <a:rPr lang="en-US" dirty="0"/>
+                  <a:t>Forget factor</a:t>
+                </a:r>
+              </a:p>
+            </p:txBody>
+          </p:sp>
+        </mc:Choice>
+        <mc:Fallback>
+          <p:sp>
+            <p:nvSpPr>
+              <p:cNvPr id="6" name="文本框 5">
+                <a:extLst>
+                  <a:ext uri="{FF2B5EF4-FFF2-40B4-BE49-F238E27FC236}">
+                    <a16:creationId xmlns:a16="http://schemas.microsoft.com/office/drawing/2014/main" id="{CF31DF3C-D98B-EDC5-2C36-81668114DFFE}"/>
+                  </a:ext>
+                </a:extLst>
+              </p:cNvPr>
+              <p:cNvSpPr txBox="1">
+                <a:spLocks noRot="1" noChangeAspect="1" noMove="1" noResize="1" noEditPoints="1" noAdjustHandles="1" noChangeArrowheads="1" noChangeShapeType="1" noTextEdit="1"/>
+              </p:cNvSpPr>
+              <p:nvPr/>
+            </p:nvSpPr>
+            <p:spPr>
+              <a:xfrm>
+                <a:off x="2695574" y="3705224"/>
+                <a:ext cx="4048125" cy="2031325"/>
+              </a:xfrm>
+              <a:prstGeom prst="rect">
+                <a:avLst/>
+              </a:prstGeom>
+              <a:blipFill>
+                <a:blip r:embed="rId3"/>
+                <a:stretch>
+                  <a:fillRect l="-1205" t="-1502" b="-4204"/>
+                </a:stretch>
+              </a:blipFill>
+            </p:spPr>
+            <p:txBody>
+              <a:bodyPr/>
+              <a:lstStyle/>
+              <a:p>
+                <a:r>
+                  <a:rPr lang="en-US">
+                    <a:noFill/>
+                  </a:rPr>
+                  <a:t> </a:t>
+                </a:r>
+              </a:p>
+            </p:txBody>
+          </p:sp>
+        </mc:Fallback>
+      </mc:AlternateContent>
+    </p:spTree>
+    <p:extLst>
+      <p:ext uri="{BB962C8B-B14F-4D97-AF65-F5344CB8AC3E}">
+        <p14:creationId xmlns:p14="http://schemas.microsoft.com/office/powerpoint/2010/main" val="3197051841"/>
+      </p:ext>
+    </p:extLst>
+  </p:cSld>
+  <p:clrMapOvr>
+    <a:masterClrMapping/>
+  </p:clrMapOvr>
+</p:sld>
+</file>
+
 <file path=ppt/slides/slide2.xml><?xml version="1.0" encoding="utf-8"?>
 <p:sld xmlns:a="http://schemas.openxmlformats.org/drawingml/2006/main" xmlns:r="http://schemas.openxmlformats.org/officeDocument/2006/relationships" xmlns:p="http://schemas.openxmlformats.org/presentationml/2006/main">
   <p:cSld>
@@ -3834,8 +7104,8 @@
           </a:p>
         </p:txBody>
       </p:sp>
-      <mc:AlternateContent xmlns:mc="http://schemas.openxmlformats.org/markup-compatibility/2006">
-        <mc:Choice xmlns:a14="http://schemas.microsoft.com/office/drawing/2010/main" Requires="a14">
+      <mc:AlternateContent xmlns:mc="http://schemas.openxmlformats.org/markup-compatibility/2006" xmlns:a14="http://schemas.microsoft.com/office/drawing/2010/main">
+        <mc:Choice Requires="a14">
           <p:sp>
             <p:nvSpPr>
               <p:cNvPr id="3" name="内容占位符 2">
@@ -4446,7 +7716,7 @@
             </p:txBody>
           </p:sp>
         </mc:Choice>
-        <mc:Fallback>
+        <mc:Fallback xmlns="">
           <p:sp>
             <p:nvSpPr>
               <p:cNvPr id="3" name="内容占位符 2">
